--- a/CSCI6708_Case_Study_Grp1_ppt_DRAFT.pptx
+++ b/CSCI6708_Case_Study_Grp1_ppt_DRAFT.pptx
@@ -121,6 +121,9 @@
     <p:ext uri="{EFAFB233-063F-42B5-8137-9DF3F51BA10A}">
       <p15:sldGuideLst xmlns:p15="http://schemas.microsoft.com/office/powerpoint/2012/main"/>
     </p:ext>
+    <p:ext uri="{2D200454-40CA-4A62-9FC3-DE9A4176ACB9}">
+      <p15:notesGuideLst xmlns:p15="http://schemas.microsoft.com/office/powerpoint/2012/main"/>
+    </p:ext>
   </p:extLst>
 </p:presentation>
 </file>
@@ -176,7 +179,7 @@
           <a:p>
             <a:fld id="{8AA07402-A2D1-224B-9540-AD2693A5FEE9}" type="datetimeFigureOut">
               <a:rPr lang="en-US" smtClean="0"/>
-              <a:t>4/5/18</a:t>
+              <a:t>4/6/2018</a:t>
             </a:fld>
             <a:endParaRPr lang="en-US"/>
           </a:p>
@@ -459,7 +462,7 @@
           <a:p>
             <a:fld id="{62DCA116-7934-5E4A-9F70-5101DDBE45C4}" type="datetimeFigureOut">
               <a:rPr lang="en-US" smtClean="0"/>
-              <a:t>4/5/18</a:t>
+              <a:t>4/6/2018</a:t>
             </a:fld>
             <a:endParaRPr lang="en-US"/>
           </a:p>
@@ -742,7 +745,7 @@
                 </a:solidFill>
               </a:defRPr>
             </a:pPr>
-            <a:endParaRPr lang="en-US" sz="1400" dirty="0" smtClean="0">
+            <a:endParaRPr lang="en-US" sz="1400" dirty="0">
               <a:solidFill>
                 <a:srgbClr val="FFFFFF"/>
               </a:solidFill>
@@ -759,7 +762,7 @@
               </a:defRPr>
             </a:pPr>
             <a:r>
-              <a:rPr lang="en-US" sz="2400" b="1" cap="none" dirty="0" smtClean="0">
+              <a:rPr lang="en-US" sz="2400" b="1" cap="none" dirty="0">
                 <a:solidFill>
                   <a:schemeClr val="tx1"/>
                 </a:solidFill>
@@ -777,7 +780,7 @@
                 </a:solidFill>
               </a:defRPr>
             </a:pPr>
-            <a:endParaRPr lang="en-US" sz="2400" b="0" cap="none" dirty="0" smtClean="0">
+            <a:endParaRPr lang="en-US" sz="2400" b="0" cap="none" dirty="0">
               <a:solidFill>
                 <a:schemeClr val="tx1"/>
               </a:solidFill>
@@ -791,7 +794,7 @@
                 </a:solidFill>
               </a:defRPr>
             </a:pPr>
-            <a:endParaRPr lang="en-US" sz="2400" b="1" cap="none" dirty="0" smtClean="0">
+            <a:endParaRPr lang="en-US" sz="2400" b="1" cap="none" dirty="0">
               <a:solidFill>
                 <a:schemeClr val="tx1"/>
               </a:solidFill>
@@ -808,7 +811,7 @@
               </a:defRPr>
             </a:pPr>
             <a:r>
-              <a:rPr lang="en-US" sz="2400" b="1" cap="none" dirty="0" smtClean="0">
+              <a:rPr lang="en-US" sz="2400" b="1" cap="none" dirty="0">
                 <a:solidFill>
                   <a:schemeClr val="tx1"/>
                 </a:solidFill>
@@ -826,7 +829,7 @@
                 </a:solidFill>
               </a:defRPr>
             </a:pPr>
-            <a:endParaRPr lang="en-US" sz="2400" b="1" cap="none" dirty="0" smtClean="0">
+            <a:endParaRPr lang="en-US" sz="2400" b="1" cap="none" dirty="0">
               <a:solidFill>
                 <a:schemeClr val="tx1"/>
               </a:solidFill>
@@ -843,7 +846,7 @@
               </a:defRPr>
             </a:pPr>
             <a:r>
-              <a:rPr lang="en-US" sz="2400" b="1" cap="none" dirty="0" smtClean="0">
+              <a:rPr lang="en-US" sz="2400" b="1" cap="none" dirty="0">
                 <a:solidFill>
                   <a:schemeClr val="tx1"/>
                 </a:solidFill>
@@ -861,7 +864,7 @@
                 </a:solidFill>
               </a:defRPr>
             </a:pPr>
-            <a:endParaRPr lang="en-US" sz="2400" b="1" cap="none" dirty="0" smtClean="0">
+            <a:endParaRPr lang="en-US" sz="2400" b="1" cap="none" dirty="0">
               <a:solidFill>
                 <a:schemeClr val="tx1"/>
               </a:solidFill>
@@ -878,7 +881,7 @@
               </a:defRPr>
             </a:pPr>
             <a:r>
-              <a:rPr lang="en-US" sz="2400" b="1" cap="none" dirty="0" smtClean="0">
+              <a:rPr lang="en-US" sz="2400" b="1" cap="none" dirty="0">
                 <a:solidFill>
                   <a:schemeClr val="tx1"/>
                 </a:solidFill>
@@ -896,7 +899,7 @@
                 </a:solidFill>
               </a:defRPr>
             </a:pPr>
-            <a:endParaRPr lang="en-US" sz="2400" b="1" cap="none" dirty="0" smtClean="0">
+            <a:endParaRPr lang="en-US" sz="2400" b="1" cap="none" dirty="0">
               <a:solidFill>
                 <a:schemeClr val="tx1"/>
               </a:solidFill>
@@ -913,7 +916,7 @@
               </a:defRPr>
             </a:pPr>
             <a:r>
-              <a:rPr lang="en-US" sz="2400" b="1" cap="none" dirty="0" smtClean="0">
+              <a:rPr lang="en-US" sz="2400" b="1" cap="none" dirty="0">
                 <a:solidFill>
                   <a:schemeClr val="tx1"/>
                 </a:solidFill>
@@ -1559,7 +1562,7 @@
           </a:lstStyle>
           <a:p>
             <a:r>
-              <a:rPr lang="en-US" smtClean="0"/>
+              <a:rPr lang="en-US"/>
               <a:t>Click to edit Master title style</a:t>
             </a:r>
             <a:endParaRPr lang="en-US" dirty="0"/>
@@ -1678,7 +1681,7 @@
           </a:lstStyle>
           <a:p>
             <a:r>
-              <a:rPr lang="en-US" smtClean="0"/>
+              <a:rPr lang="en-US"/>
               <a:t>Click to edit Master subtitle style</a:t>
             </a:r>
             <a:endParaRPr lang="en-US" dirty="0"/>
@@ -1707,7 +1710,7 @@
           <a:p>
             <a:fld id="{AF9D92C3-6CD5-494E-AAA0-12835F54A429}" type="datetimeFigureOut">
               <a:rPr lang="en-US" smtClean="0"/>
-              <a:t>4/5/18</a:t>
+              <a:t>4/6/2018</a:t>
             </a:fld>
             <a:endParaRPr lang="en-US"/>
           </a:p>
@@ -1808,7 +1811,7 @@
           </a:ln>
           <a:extLst>
             <a:ext uri="{91240B29-F687-4f45-9708-019B960494DF}">
-              <a14:hiddenLine xmlns:a14="http://schemas.microsoft.com/office/drawing/2010/main" xmlns="" w="9525">
+              <a14:hiddenLine xmlns="" xmlns:a14="http://schemas.microsoft.com/office/drawing/2010/main" w="9525">
                 <a:solidFill>
                   <a:srgbClr val="000000"/>
                 </a:solidFill>
@@ -1863,7 +1866,7 @@
           </a:ln>
           <a:extLst>
             <a:ext uri="{91240B29-F687-4f45-9708-019B960494DF}">
-              <a14:hiddenLine xmlns:a14="http://schemas.microsoft.com/office/drawing/2010/main" xmlns="" w="9525">
+              <a14:hiddenLine xmlns="" xmlns:a14="http://schemas.microsoft.com/office/drawing/2010/main" w="9525">
                 <a:solidFill>
                   <a:srgbClr val="000000"/>
                 </a:solidFill>
@@ -1927,7 +1930,7 @@
           </a:lstStyle>
           <a:p>
             <a:r>
-              <a:rPr lang="en-US" smtClean="0"/>
+              <a:rPr lang="en-US"/>
               <a:t>Click to edit Master title style</a:t>
             </a:r>
             <a:endParaRPr lang="en-US" dirty="0"/>
@@ -2022,7 +2025,7 @@
           </a:lstStyle>
           <a:p>
             <a:r>
-              <a:rPr lang="en-US" smtClean="0"/>
+              <a:rPr lang="en-US"/>
               <a:t>Drag picture to placeholder or click icon to add</a:t>
             </a:r>
             <a:endParaRPr lang="en-US" dirty="0"/>
@@ -2090,7 +2093,7 @@
           <a:p>
             <a:pPr lvl="0"/>
             <a:r>
-              <a:rPr lang="en-US" smtClean="0"/>
+              <a:rPr lang="en-US"/>
               <a:t>Click to edit Master text styles</a:t>
             </a:r>
           </a:p>
@@ -2113,7 +2116,7 @@
           <a:p>
             <a:fld id="{AF9D92C3-6CD5-494E-AAA0-12835F54A429}" type="datetimeFigureOut">
               <a:rPr lang="en-US" smtClean="0"/>
-              <a:t>4/5/18</a:t>
+              <a:t>4/6/2018</a:t>
             </a:fld>
             <a:endParaRPr lang="en-US"/>
           </a:p>
@@ -2213,7 +2216,7 @@
           </a:lstStyle>
           <a:p>
             <a:r>
-              <a:rPr lang="en-US" smtClean="0"/>
+              <a:rPr lang="en-US"/>
               <a:t>Click to edit Master title style</a:t>
             </a:r>
             <a:endParaRPr lang="en-US" dirty="0"/>
@@ -2333,7 +2336,7 @@
           <a:p>
             <a:pPr lvl="0"/>
             <a:r>
-              <a:rPr lang="en-US" smtClean="0"/>
+              <a:rPr lang="en-US"/>
               <a:t>Click to edit Master text styles</a:t>
             </a:r>
           </a:p>
@@ -2356,7 +2359,7 @@
           <a:p>
             <a:fld id="{AF9D92C3-6CD5-494E-AAA0-12835F54A429}" type="datetimeFigureOut">
               <a:rPr lang="en-US" smtClean="0"/>
-              <a:t>4/5/18</a:t>
+              <a:t>4/6/2018</a:t>
             </a:fld>
             <a:endParaRPr lang="en-US"/>
           </a:p>
@@ -2692,7 +2695,7 @@
           </a:lstStyle>
           <a:p>
             <a:r>
-              <a:rPr lang="en-US" smtClean="0"/>
+              <a:rPr lang="en-US"/>
               <a:t>Click to edit Master title style</a:t>
             </a:r>
             <a:endParaRPr lang="en-US" dirty="0"/>
@@ -2749,7 +2752,7 @@
           <a:p>
             <a:pPr lvl="0"/>
             <a:r>
-              <a:rPr lang="en-US" smtClean="0"/>
+              <a:rPr lang="en-US"/>
               <a:t>Click to edit Master text styles</a:t>
             </a:r>
           </a:p>
@@ -2868,7 +2871,7 @@
           <a:p>
             <a:pPr lvl="0"/>
             <a:r>
-              <a:rPr lang="en-US" smtClean="0"/>
+              <a:rPr lang="en-US"/>
               <a:t>Click to edit Master text styles</a:t>
             </a:r>
           </a:p>
@@ -2891,7 +2894,7 @@
           <a:p>
             <a:fld id="{AF9D92C3-6CD5-494E-AAA0-12835F54A429}" type="datetimeFigureOut">
               <a:rPr lang="en-US" smtClean="0"/>
-              <a:t>4/5/18</a:t>
+              <a:t>4/6/2018</a:t>
             </a:fld>
             <a:endParaRPr lang="en-US"/>
           </a:p>
@@ -2991,7 +2994,7 @@
           </a:lstStyle>
           <a:p>
             <a:r>
-              <a:rPr lang="en-US" smtClean="0"/>
+              <a:rPr lang="en-US"/>
               <a:t>Click to edit Master title style</a:t>
             </a:r>
             <a:endParaRPr lang="en-US" dirty="0"/>
@@ -3111,7 +3114,7 @@
           <a:p>
             <a:pPr lvl="0"/>
             <a:r>
-              <a:rPr lang="en-US" smtClean="0"/>
+              <a:rPr lang="en-US"/>
               <a:t>Click to edit Master text styles</a:t>
             </a:r>
           </a:p>
@@ -3134,7 +3137,7 @@
           <a:p>
             <a:fld id="{AF9D92C3-6CD5-494E-AAA0-12835F54A429}" type="datetimeFigureOut">
               <a:rPr lang="en-US" smtClean="0"/>
-              <a:t>4/5/18</a:t>
+              <a:t>4/6/2018</a:t>
             </a:fld>
             <a:endParaRPr lang="en-US"/>
           </a:p>
@@ -3470,7 +3473,7 @@
           </a:lstStyle>
           <a:p>
             <a:r>
-              <a:rPr lang="en-US" smtClean="0"/>
+              <a:rPr lang="en-US"/>
               <a:t>Click to edit Master title style</a:t>
             </a:r>
             <a:endParaRPr lang="en-US" dirty="0"/>
@@ -3519,7 +3522,7 @@
               <a:buNone/>
             </a:pPr>
             <a:r>
-              <a:rPr lang="en-US" smtClean="0"/>
+              <a:rPr lang="en-US"/>
               <a:t>Click to edit Master text styles</a:t>
             </a:r>
           </a:p>
@@ -3638,7 +3641,7 @@
           <a:p>
             <a:pPr lvl="0"/>
             <a:r>
-              <a:rPr lang="en-US" smtClean="0"/>
+              <a:rPr lang="en-US"/>
               <a:t>Click to edit Master text styles</a:t>
             </a:r>
           </a:p>
@@ -3661,7 +3664,7 @@
           <a:p>
             <a:fld id="{AF9D92C3-6CD5-494E-AAA0-12835F54A429}" type="datetimeFigureOut">
               <a:rPr lang="en-US" smtClean="0"/>
-              <a:t>4/5/18</a:t>
+              <a:t>4/6/2018</a:t>
             </a:fld>
             <a:endParaRPr lang="en-US"/>
           </a:p>
@@ -3762,7 +3765,7 @@
           <a:p>
             <a:pPr marL="0" lvl="0"/>
             <a:r>
-              <a:rPr lang="en-US" smtClean="0"/>
+              <a:rPr lang="en-US"/>
               <a:t>Click to edit Master title style</a:t>
             </a:r>
             <a:endParaRPr lang="en-US" dirty="0"/>
@@ -3811,7 +3814,7 @@
               <a:buNone/>
             </a:pPr>
             <a:r>
-              <a:rPr lang="en-US" smtClean="0"/>
+              <a:rPr lang="en-US"/>
               <a:t>Click to edit Master text styles</a:t>
             </a:r>
           </a:p>
@@ -3930,7 +3933,7 @@
           <a:p>
             <a:pPr lvl="0"/>
             <a:r>
-              <a:rPr lang="en-US" smtClean="0"/>
+              <a:rPr lang="en-US"/>
               <a:t>Click to edit Master text styles</a:t>
             </a:r>
           </a:p>
@@ -3953,7 +3956,7 @@
           <a:p>
             <a:fld id="{AF9D92C3-6CD5-494E-AAA0-12835F54A429}" type="datetimeFigureOut">
               <a:rPr lang="en-US" smtClean="0"/>
-              <a:t>4/5/18</a:t>
+              <a:t>4/6/2018</a:t>
             </a:fld>
             <a:endParaRPr lang="en-US"/>
           </a:p>
@@ -4046,7 +4049,7 @@
           </a:lstStyle>
           <a:p>
             <a:r>
-              <a:rPr lang="en-US" smtClean="0"/>
+              <a:rPr lang="en-US"/>
               <a:t>Click to edit Master title style</a:t>
             </a:r>
             <a:endParaRPr lang="en-US" dirty="0"/>
@@ -4070,35 +4073,35 @@
           <a:p>
             <a:pPr lvl="0"/>
             <a:r>
-              <a:rPr lang="en-US" smtClean="0"/>
+              <a:rPr lang="en-US"/>
               <a:t>Click to edit Master text styles</a:t>
             </a:r>
           </a:p>
           <a:p>
             <a:pPr lvl="1"/>
             <a:r>
-              <a:rPr lang="en-US" smtClean="0"/>
+              <a:rPr lang="en-US"/>
               <a:t>Second level</a:t>
             </a:r>
           </a:p>
           <a:p>
             <a:pPr lvl="2"/>
             <a:r>
-              <a:rPr lang="en-US" smtClean="0"/>
+              <a:rPr lang="en-US"/>
               <a:t>Third level</a:t>
             </a:r>
           </a:p>
           <a:p>
             <a:pPr lvl="3"/>
             <a:r>
-              <a:rPr lang="en-US" smtClean="0"/>
+              <a:rPr lang="en-US"/>
               <a:t>Fourth level</a:t>
             </a:r>
           </a:p>
           <a:p>
             <a:pPr lvl="4"/>
             <a:r>
-              <a:rPr lang="en-US" smtClean="0"/>
+              <a:rPr lang="en-US"/>
               <a:t>Fifth level</a:t>
             </a:r>
             <a:endParaRPr lang="en-US" dirty="0"/>
@@ -4122,7 +4125,7 @@
           <a:p>
             <a:fld id="{AF9D92C3-6CD5-494E-AAA0-12835F54A429}" type="datetimeFigureOut">
               <a:rPr lang="en-US" smtClean="0"/>
-              <a:t>4/5/18</a:t>
+              <a:t>4/6/2018</a:t>
             </a:fld>
             <a:endParaRPr lang="en-US"/>
           </a:p>
@@ -4216,7 +4219,7 @@
           <a:lstStyle/>
           <a:p>
             <a:r>
-              <a:rPr lang="en-US" smtClean="0"/>
+              <a:rPr lang="en-US"/>
               <a:t>Click to edit Master title style</a:t>
             </a:r>
             <a:endParaRPr lang="en-US" dirty="0"/>
@@ -4245,35 +4248,35 @@
           <a:p>
             <a:pPr lvl="0"/>
             <a:r>
-              <a:rPr lang="en-US" smtClean="0"/>
+              <a:rPr lang="en-US"/>
               <a:t>Click to edit Master text styles</a:t>
             </a:r>
           </a:p>
           <a:p>
             <a:pPr lvl="1"/>
             <a:r>
-              <a:rPr lang="en-US" smtClean="0"/>
+              <a:rPr lang="en-US"/>
               <a:t>Second level</a:t>
             </a:r>
           </a:p>
           <a:p>
             <a:pPr lvl="2"/>
             <a:r>
-              <a:rPr lang="en-US" smtClean="0"/>
+              <a:rPr lang="en-US"/>
               <a:t>Third level</a:t>
             </a:r>
           </a:p>
           <a:p>
             <a:pPr lvl="3"/>
             <a:r>
-              <a:rPr lang="en-US" smtClean="0"/>
+              <a:rPr lang="en-US"/>
               <a:t>Fourth level</a:t>
             </a:r>
           </a:p>
           <a:p>
             <a:pPr lvl="4"/>
             <a:r>
-              <a:rPr lang="en-US" smtClean="0"/>
+              <a:rPr lang="en-US"/>
               <a:t>Fifth level</a:t>
             </a:r>
             <a:endParaRPr lang="en-US" dirty="0"/>
@@ -4297,7 +4300,7 @@
           <a:p>
             <a:fld id="{AF9D92C3-6CD5-494E-AAA0-12835F54A429}" type="datetimeFigureOut">
               <a:rPr lang="en-US" smtClean="0"/>
-              <a:t>4/5/18</a:t>
+              <a:t>4/6/2018</a:t>
             </a:fld>
             <a:endParaRPr lang="en-US"/>
           </a:p>
@@ -4601,13 +4604,6 @@
     <a:masterClrMapping/>
   </p:clrMapOvr>
   <p:transition spd="med"/>
-  <p:timing>
-    <p:tnLst>
-      <p:par>
-        <p:cTn id="1" dur="indefinite" restart="never" nodeType="tmRoot"/>
-      </p:par>
-    </p:tnLst>
-  </p:timing>
 </p:sldLayout>
 </file>
 
@@ -4649,7 +4645,7 @@
           <a:lstStyle/>
           <a:p>
             <a:r>
-              <a:rPr lang="en-US" smtClean="0"/>
+              <a:rPr lang="en-US"/>
               <a:t>Click to edit Master title style</a:t>
             </a:r>
             <a:endParaRPr lang="en-US" dirty="0"/>
@@ -4678,35 +4674,35 @@
           <a:p>
             <a:pPr lvl="0"/>
             <a:r>
-              <a:rPr lang="en-US" smtClean="0"/>
+              <a:rPr lang="en-US"/>
               <a:t>Click to edit Master text styles</a:t>
             </a:r>
           </a:p>
           <a:p>
             <a:pPr lvl="1"/>
             <a:r>
-              <a:rPr lang="en-US" smtClean="0"/>
+              <a:rPr lang="en-US"/>
               <a:t>Second level</a:t>
             </a:r>
           </a:p>
           <a:p>
             <a:pPr lvl="2"/>
             <a:r>
-              <a:rPr lang="en-US" smtClean="0"/>
+              <a:rPr lang="en-US"/>
               <a:t>Third level</a:t>
             </a:r>
           </a:p>
           <a:p>
             <a:pPr lvl="3"/>
             <a:r>
-              <a:rPr lang="en-US" smtClean="0"/>
+              <a:rPr lang="en-US"/>
               <a:t>Fourth level</a:t>
             </a:r>
           </a:p>
           <a:p>
             <a:pPr lvl="4"/>
             <a:r>
-              <a:rPr lang="en-US" smtClean="0"/>
+              <a:rPr lang="en-US"/>
               <a:t>Fifth level</a:t>
             </a:r>
             <a:endParaRPr lang="en-US" dirty="0"/>
@@ -4735,7 +4731,7 @@
           <a:p>
             <a:fld id="{AF9D92C3-6CD5-494E-AAA0-12835F54A429}" type="datetimeFigureOut">
               <a:rPr lang="en-US" smtClean="0"/>
-              <a:t>4/5/18</a:t>
+              <a:t>4/6/2018</a:t>
             </a:fld>
             <a:endParaRPr lang="en-US"/>
           </a:p>
@@ -4843,7 +4839,7 @@
           </a:lstStyle>
           <a:p>
             <a:r>
-              <a:rPr lang="en-US" smtClean="0"/>
+              <a:rPr lang="en-US"/>
               <a:t>Click to edit Master title style</a:t>
             </a:r>
             <a:endParaRPr lang="en-US" dirty="0"/>
@@ -4963,7 +4959,7 @@
           <a:p>
             <a:pPr lvl="0"/>
             <a:r>
-              <a:rPr lang="en-US" smtClean="0"/>
+              <a:rPr lang="en-US"/>
               <a:t>Click to edit Master text styles</a:t>
             </a:r>
           </a:p>
@@ -4986,7 +4982,7 @@
           <a:p>
             <a:fld id="{AF9D92C3-6CD5-494E-AAA0-12835F54A429}" type="datetimeFigureOut">
               <a:rPr lang="en-US" smtClean="0"/>
-              <a:t>4/5/18</a:t>
+              <a:t>4/6/2018</a:t>
             </a:fld>
             <a:endParaRPr lang="en-US"/>
           </a:p>
@@ -5085,7 +5081,7 @@
           <a:lstStyle/>
           <a:p>
             <a:r>
-              <a:rPr lang="en-US" smtClean="0"/>
+              <a:rPr lang="en-US"/>
               <a:t>Click to edit Master title style</a:t>
             </a:r>
             <a:endParaRPr lang="en-US" dirty="0"/>
@@ -5144,35 +5140,35 @@
           <a:p>
             <a:pPr lvl="0"/>
             <a:r>
-              <a:rPr lang="en-US" smtClean="0"/>
+              <a:rPr lang="en-US"/>
               <a:t>Click to edit Master text styles</a:t>
             </a:r>
           </a:p>
           <a:p>
             <a:pPr lvl="1"/>
             <a:r>
-              <a:rPr lang="en-US" smtClean="0"/>
+              <a:rPr lang="en-US"/>
               <a:t>Second level</a:t>
             </a:r>
           </a:p>
           <a:p>
             <a:pPr lvl="2"/>
             <a:r>
-              <a:rPr lang="en-US" smtClean="0"/>
+              <a:rPr lang="en-US"/>
               <a:t>Third level</a:t>
             </a:r>
           </a:p>
           <a:p>
             <a:pPr lvl="3"/>
             <a:r>
-              <a:rPr lang="en-US" smtClean="0"/>
+              <a:rPr lang="en-US"/>
               <a:t>Fourth level</a:t>
             </a:r>
           </a:p>
           <a:p>
             <a:pPr lvl="4"/>
             <a:r>
-              <a:rPr lang="en-US" smtClean="0"/>
+              <a:rPr lang="en-US"/>
               <a:t>Fifth level</a:t>
             </a:r>
             <a:endParaRPr lang="en-US" dirty="0"/>
@@ -5231,35 +5227,35 @@
           <a:p>
             <a:pPr lvl="0"/>
             <a:r>
-              <a:rPr lang="en-US" smtClean="0"/>
+              <a:rPr lang="en-US"/>
               <a:t>Click to edit Master text styles</a:t>
             </a:r>
           </a:p>
           <a:p>
             <a:pPr lvl="1"/>
             <a:r>
-              <a:rPr lang="en-US" smtClean="0"/>
+              <a:rPr lang="en-US"/>
               <a:t>Second level</a:t>
             </a:r>
           </a:p>
           <a:p>
             <a:pPr lvl="2"/>
             <a:r>
-              <a:rPr lang="en-US" smtClean="0"/>
+              <a:rPr lang="en-US"/>
               <a:t>Third level</a:t>
             </a:r>
           </a:p>
           <a:p>
             <a:pPr lvl="3"/>
             <a:r>
-              <a:rPr lang="en-US" smtClean="0"/>
+              <a:rPr lang="en-US"/>
               <a:t>Fourth level</a:t>
             </a:r>
           </a:p>
           <a:p>
             <a:pPr lvl="4"/>
             <a:r>
-              <a:rPr lang="en-US" smtClean="0"/>
+              <a:rPr lang="en-US"/>
               <a:t>Fifth level</a:t>
             </a:r>
             <a:endParaRPr lang="en-US" dirty="0"/>
@@ -5283,7 +5279,7 @@
           <a:p>
             <a:fld id="{AF9D92C3-6CD5-494E-AAA0-12835F54A429}" type="datetimeFigureOut">
               <a:rPr lang="en-US" smtClean="0"/>
-              <a:t>4/5/18</a:t>
+              <a:t>4/6/2018</a:t>
             </a:fld>
             <a:endParaRPr lang="en-US"/>
           </a:p>
@@ -5376,7 +5372,7 @@
           </a:lstStyle>
           <a:p>
             <a:r>
-              <a:rPr lang="en-US" smtClean="0"/>
+              <a:rPr lang="en-US"/>
               <a:t>Click to edit Master title style</a:t>
             </a:r>
             <a:endParaRPr lang="en-US" dirty="0"/>
@@ -5450,7 +5446,7 @@
           <a:p>
             <a:pPr lvl="0"/>
             <a:r>
-              <a:rPr lang="en-US" smtClean="0"/>
+              <a:rPr lang="en-US"/>
               <a:t>Click to edit Master text styles</a:t>
             </a:r>
           </a:p>
@@ -5508,35 +5504,35 @@
           <a:p>
             <a:pPr lvl="0"/>
             <a:r>
-              <a:rPr lang="en-US" smtClean="0"/>
+              <a:rPr lang="en-US"/>
               <a:t>Click to edit Master text styles</a:t>
             </a:r>
           </a:p>
           <a:p>
             <a:pPr lvl="1"/>
             <a:r>
-              <a:rPr lang="en-US" smtClean="0"/>
+              <a:rPr lang="en-US"/>
               <a:t>Second level</a:t>
             </a:r>
           </a:p>
           <a:p>
             <a:pPr lvl="2"/>
             <a:r>
-              <a:rPr lang="en-US" smtClean="0"/>
+              <a:rPr lang="en-US"/>
               <a:t>Third level</a:t>
             </a:r>
           </a:p>
           <a:p>
             <a:pPr lvl="3"/>
             <a:r>
-              <a:rPr lang="en-US" smtClean="0"/>
+              <a:rPr lang="en-US"/>
               <a:t>Fourth level</a:t>
             </a:r>
           </a:p>
           <a:p>
             <a:pPr lvl="4"/>
             <a:r>
-              <a:rPr lang="en-US" smtClean="0"/>
+              <a:rPr lang="en-US"/>
               <a:t>Fifth level</a:t>
             </a:r>
             <a:endParaRPr lang="en-US" dirty="0"/>
@@ -5610,7 +5606,7 @@
           <a:p>
             <a:pPr lvl="0"/>
             <a:r>
-              <a:rPr lang="en-US" smtClean="0"/>
+              <a:rPr lang="en-US"/>
               <a:t>Click to edit Master text styles</a:t>
             </a:r>
           </a:p>
@@ -5668,35 +5664,35 @@
           <a:p>
             <a:pPr lvl="0"/>
             <a:r>
-              <a:rPr lang="en-US" smtClean="0"/>
+              <a:rPr lang="en-US"/>
               <a:t>Click to edit Master text styles</a:t>
             </a:r>
           </a:p>
           <a:p>
             <a:pPr lvl="1"/>
             <a:r>
-              <a:rPr lang="en-US" smtClean="0"/>
+              <a:rPr lang="en-US"/>
               <a:t>Second level</a:t>
             </a:r>
           </a:p>
           <a:p>
             <a:pPr lvl="2"/>
             <a:r>
-              <a:rPr lang="en-US" smtClean="0"/>
+              <a:rPr lang="en-US"/>
               <a:t>Third level</a:t>
             </a:r>
           </a:p>
           <a:p>
             <a:pPr lvl="3"/>
             <a:r>
-              <a:rPr lang="en-US" smtClean="0"/>
+              <a:rPr lang="en-US"/>
               <a:t>Fourth level</a:t>
             </a:r>
           </a:p>
           <a:p>
             <a:pPr lvl="4"/>
             <a:r>
-              <a:rPr lang="en-US" smtClean="0"/>
+              <a:rPr lang="en-US"/>
               <a:t>Fifth level</a:t>
             </a:r>
             <a:endParaRPr lang="en-US" dirty="0"/>
@@ -5720,7 +5716,7 @@
           <a:p>
             <a:fld id="{AF9D92C3-6CD5-494E-AAA0-12835F54A429}" type="datetimeFigureOut">
               <a:rPr lang="en-US" smtClean="0"/>
-              <a:t>4/5/18</a:t>
+              <a:t>4/6/2018</a:t>
             </a:fld>
             <a:endParaRPr lang="en-US"/>
           </a:p>
@@ -5809,7 +5805,7 @@
           <a:lstStyle/>
           <a:p>
             <a:r>
-              <a:rPr lang="en-US" smtClean="0"/>
+              <a:rPr lang="en-US"/>
               <a:t>Click to edit Master title style</a:t>
             </a:r>
             <a:endParaRPr lang="en-US" dirty="0"/>
@@ -5833,7 +5829,7 @@
           <a:p>
             <a:fld id="{AF9D92C3-6CD5-494E-AAA0-12835F54A429}" type="datetimeFigureOut">
               <a:rPr lang="en-US" smtClean="0"/>
-              <a:t>4/5/18</a:t>
+              <a:t>4/6/2018</a:t>
             </a:fld>
             <a:endParaRPr lang="en-US"/>
           </a:p>
@@ -5923,7 +5919,7 @@
           <a:p>
             <a:fld id="{AF9D92C3-6CD5-494E-AAA0-12835F54A429}" type="datetimeFigureOut">
               <a:rPr lang="en-US" smtClean="0"/>
-              <a:t>4/5/18</a:t>
+              <a:t>4/6/2018</a:t>
             </a:fld>
             <a:endParaRPr lang="en-US"/>
           </a:p>
@@ -6023,7 +6019,7 @@
           </a:lstStyle>
           <a:p>
             <a:r>
-              <a:rPr lang="en-US" smtClean="0"/>
+              <a:rPr lang="en-US"/>
               <a:t>Click to edit Master title style</a:t>
             </a:r>
             <a:endParaRPr lang="en-US" dirty="0"/>
@@ -6082,35 +6078,35 @@
           <a:p>
             <a:pPr lvl="0"/>
             <a:r>
-              <a:rPr lang="en-US" smtClean="0"/>
+              <a:rPr lang="en-US"/>
               <a:t>Click to edit Master text styles</a:t>
             </a:r>
           </a:p>
           <a:p>
             <a:pPr lvl="1"/>
             <a:r>
-              <a:rPr lang="en-US" smtClean="0"/>
+              <a:rPr lang="en-US"/>
               <a:t>Second level</a:t>
             </a:r>
           </a:p>
           <a:p>
             <a:pPr lvl="2"/>
             <a:r>
-              <a:rPr lang="en-US" smtClean="0"/>
+              <a:rPr lang="en-US"/>
               <a:t>Third level</a:t>
             </a:r>
           </a:p>
           <a:p>
             <a:pPr lvl="3"/>
             <a:r>
-              <a:rPr lang="en-US" smtClean="0"/>
+              <a:rPr lang="en-US"/>
               <a:t>Fourth level</a:t>
             </a:r>
           </a:p>
           <a:p>
             <a:pPr lvl="4"/>
             <a:r>
-              <a:rPr lang="en-US" smtClean="0"/>
+              <a:rPr lang="en-US"/>
               <a:t>Fifth level</a:t>
             </a:r>
             <a:endParaRPr lang="en-US" dirty="0"/>
@@ -6178,7 +6174,7 @@
           <a:p>
             <a:pPr lvl="0"/>
             <a:r>
-              <a:rPr lang="en-US" smtClean="0"/>
+              <a:rPr lang="en-US"/>
               <a:t>Click to edit Master text styles</a:t>
             </a:r>
           </a:p>
@@ -6201,7 +6197,7 @@
           <a:p>
             <a:fld id="{AF9D92C3-6CD5-494E-AAA0-12835F54A429}" type="datetimeFigureOut">
               <a:rPr lang="en-US" smtClean="0"/>
-              <a:t>4/5/18</a:t>
+              <a:t>4/6/2018</a:t>
             </a:fld>
             <a:endParaRPr lang="en-US"/>
           </a:p>
@@ -6301,7 +6297,7 @@
           </a:lstStyle>
           <a:p>
             <a:r>
-              <a:rPr lang="en-US" smtClean="0"/>
+              <a:rPr lang="en-US"/>
               <a:t>Click to edit Master title style</a:t>
             </a:r>
             <a:endParaRPr lang="en-US" dirty="0"/>
@@ -6396,7 +6392,7 @@
           </a:lstStyle>
           <a:p>
             <a:r>
-              <a:rPr lang="en-US" smtClean="0"/>
+              <a:rPr lang="en-US"/>
               <a:t>Drag picture to placeholder or click icon to add</a:t>
             </a:r>
             <a:endParaRPr lang="en-US" dirty="0"/>
@@ -6464,7 +6460,7 @@
           <a:p>
             <a:pPr lvl="0"/>
             <a:r>
-              <a:rPr lang="en-US" smtClean="0"/>
+              <a:rPr lang="en-US"/>
               <a:t>Click to edit Master text styles</a:t>
             </a:r>
           </a:p>
@@ -6487,7 +6483,7 @@
           <a:p>
             <a:fld id="{AF9D92C3-6CD5-494E-AAA0-12835F54A429}" type="datetimeFigureOut">
               <a:rPr lang="en-US" smtClean="0"/>
-              <a:t>4/5/18</a:t>
+              <a:t>4/6/2018</a:t>
             </a:fld>
             <a:endParaRPr lang="en-US"/>
           </a:p>
@@ -6902,7 +6898,7 @@
           <a:lstStyle/>
           <a:p>
             <a:r>
-              <a:rPr lang="en-US" smtClean="0"/>
+              <a:rPr lang="en-US"/>
               <a:t>Click to edit Master title style</a:t>
             </a:r>
             <a:endParaRPr lang="en-US" dirty="0"/>
@@ -6936,35 +6932,35 @@
           <a:p>
             <a:pPr lvl="0"/>
             <a:r>
-              <a:rPr lang="en-US" smtClean="0"/>
+              <a:rPr lang="en-US"/>
               <a:t>Click to edit Master text styles</a:t>
             </a:r>
           </a:p>
           <a:p>
             <a:pPr lvl="1"/>
             <a:r>
-              <a:rPr lang="en-US" smtClean="0"/>
+              <a:rPr lang="en-US"/>
               <a:t>Second level</a:t>
             </a:r>
           </a:p>
           <a:p>
             <a:pPr lvl="2"/>
             <a:r>
-              <a:rPr lang="en-US" smtClean="0"/>
+              <a:rPr lang="en-US"/>
               <a:t>Third level</a:t>
             </a:r>
           </a:p>
           <a:p>
             <a:pPr lvl="3"/>
             <a:r>
-              <a:rPr lang="en-US" smtClean="0"/>
+              <a:rPr lang="en-US"/>
               <a:t>Fourth level</a:t>
             </a:r>
           </a:p>
           <a:p>
             <a:pPr lvl="4"/>
             <a:r>
-              <a:rPr lang="en-US" smtClean="0"/>
+              <a:rPr lang="en-US"/>
               <a:t>Fifth level</a:t>
             </a:r>
             <a:endParaRPr lang="en-US" dirty="0"/>
@@ -7006,7 +7002,7 @@
           <a:p>
             <a:fld id="{AF9D92C3-6CD5-494E-AAA0-12835F54A429}" type="datetimeFigureOut">
               <a:rPr lang="en-US" smtClean="0"/>
-              <a:t>4/5/18</a:t>
+              <a:t>4/6/2018</a:t>
             </a:fld>
             <a:endParaRPr lang="en-US"/>
           </a:p>
@@ -7559,10 +7555,9 @@
           <a:lstStyle/>
           <a:p>
             <a:r>
-              <a:rPr lang="en-US" dirty="0" smtClean="0"/>
+              <a:rPr lang="en-US" dirty="0"/>
               <a:t>The Michael Lynn Case</a:t>
             </a:r>
-            <a:endParaRPr lang="en-US" dirty="0"/>
           </a:p>
         </p:txBody>
       </p:sp>
@@ -7587,7 +7582,7 @@
           <a:lstStyle/>
           <a:p>
             <a:r>
-              <a:rPr lang="en-US" dirty="0" smtClean="0">
+              <a:rPr lang="en-US" dirty="0">
                 <a:solidFill>
                   <a:schemeClr val="accent1">
                     <a:lumMod val="75000"/>
@@ -7596,13 +7591,6 @@
               </a:rPr>
               <a:t>CSCI6708 Advanced Network Security case study on  </a:t>
             </a:r>
-            <a:endParaRPr lang="en-US" dirty="0">
-              <a:solidFill>
-                <a:schemeClr val="accent1">
-                  <a:lumMod val="75000"/>
-                </a:schemeClr>
-              </a:solidFill>
-            </a:endParaRPr>
           </a:p>
         </p:txBody>
       </p:sp>
@@ -7836,7 +7824,7 @@
           </a:lstStyle>
           <a:p>
             <a:r>
-              <a:rPr lang="en-US" dirty="0" smtClean="0">
+              <a:rPr lang="en-US" dirty="0">
                 <a:solidFill>
                   <a:schemeClr val="tx1"/>
                 </a:solidFill>
@@ -7846,7 +7834,7 @@
           </a:p>
           <a:p>
             <a:r>
-              <a:rPr lang="en-US" dirty="0" smtClean="0">
+              <a:rPr lang="en-US" dirty="0">
                 <a:solidFill>
                   <a:schemeClr val="tx1"/>
                 </a:solidFill>
@@ -7856,7 +7844,7 @@
           </a:p>
           <a:p>
             <a:r>
-              <a:rPr lang="en-US" dirty="0" err="1" smtClean="0">
+              <a:rPr lang="en-US" dirty="0" err="1">
                 <a:solidFill>
                   <a:schemeClr val="tx1"/>
                 </a:solidFill>
@@ -7864,7 +7852,7 @@
               <a:t>Udaya</a:t>
             </a:r>
             <a:r>
-              <a:rPr lang="en-US" dirty="0" smtClean="0">
+              <a:rPr lang="en-US" dirty="0">
                 <a:solidFill>
                   <a:schemeClr val="tx1"/>
                 </a:solidFill>
@@ -7872,7 +7860,7 @@
               <a:t> </a:t>
             </a:r>
             <a:r>
-              <a:rPr lang="en-US" dirty="0" err="1" smtClean="0">
+              <a:rPr lang="en-US" dirty="0" err="1">
                 <a:solidFill>
                   <a:schemeClr val="tx1"/>
                 </a:solidFill>
@@ -7880,7 +7868,7 @@
               <a:t>Bhanu</a:t>
             </a:r>
             <a:r>
-              <a:rPr lang="en-US" dirty="0" smtClean="0">
+              <a:rPr lang="en-US" dirty="0">
                 <a:solidFill>
                   <a:schemeClr val="tx1"/>
                 </a:solidFill>
@@ -7888,7 +7876,7 @@
               <a:t> </a:t>
             </a:r>
             <a:r>
-              <a:rPr lang="en-US" dirty="0" err="1" smtClean="0">
+              <a:rPr lang="en-US" dirty="0" err="1">
                 <a:solidFill>
                   <a:schemeClr val="tx1"/>
                 </a:solidFill>
@@ -7896,7 +7884,7 @@
               <a:t>lekhala</a:t>
             </a:r>
             <a:r>
-              <a:rPr lang="en-US" dirty="0" smtClean="0">
+              <a:rPr lang="en-US" dirty="0">
                 <a:solidFill>
                   <a:schemeClr val="tx1"/>
                 </a:solidFill>
@@ -7906,7 +7894,7 @@
           </a:p>
           <a:p>
             <a:r>
-              <a:rPr lang="en-US" dirty="0" err="1" smtClean="0">
+              <a:rPr lang="en-US" dirty="0" err="1">
                 <a:solidFill>
                   <a:schemeClr val="tx1"/>
                 </a:solidFill>
@@ -7914,7 +7902,7 @@
               <a:t>Faraz</a:t>
             </a:r>
             <a:r>
-              <a:rPr lang="en-US" dirty="0" smtClean="0">
+              <a:rPr lang="en-US" dirty="0">
                 <a:solidFill>
                   <a:schemeClr val="tx1"/>
                 </a:solidFill>
@@ -7922,7 +7910,7 @@
               <a:t> </a:t>
             </a:r>
             <a:r>
-              <a:rPr lang="en-US" dirty="0" err="1" smtClean="0">
+              <a:rPr lang="en-US" dirty="0" err="1">
                 <a:solidFill>
                   <a:schemeClr val="tx1"/>
                 </a:solidFill>
@@ -7930,7 +7918,7 @@
               <a:t>NIZAr</a:t>
             </a:r>
             <a:r>
-              <a:rPr lang="en-US" dirty="0" smtClean="0">
+              <a:rPr lang="en-US" dirty="0">
                 <a:solidFill>
                   <a:schemeClr val="tx1"/>
                 </a:solidFill>
@@ -7938,7 +7926,7 @@
               <a:t> </a:t>
             </a:r>
             <a:r>
-              <a:rPr lang="en-US" dirty="0" err="1" smtClean="0">
+              <a:rPr lang="en-US" dirty="0" err="1">
                 <a:solidFill>
                   <a:schemeClr val="tx1"/>
                 </a:solidFill>
@@ -7946,7 +7934,7 @@
               <a:t>dhuka</a:t>
             </a:r>
             <a:r>
-              <a:rPr lang="en-US" dirty="0" smtClean="0">
+              <a:rPr lang="en-US" dirty="0">
                 <a:solidFill>
                   <a:schemeClr val="tx1"/>
                 </a:solidFill>
@@ -7956,7 +7944,7 @@
           </a:p>
           <a:p>
             <a:r>
-              <a:rPr lang="en-US" dirty="0" smtClean="0">
+              <a:rPr lang="en-US" dirty="0">
                 <a:solidFill>
                   <a:schemeClr val="tx1"/>
                 </a:solidFill>
@@ -7964,7 +7952,7 @@
               <a:t>Choudhury </a:t>
             </a:r>
             <a:r>
-              <a:rPr lang="en-US" dirty="0" err="1" smtClean="0">
+              <a:rPr lang="en-US" dirty="0" err="1">
                 <a:solidFill>
                   <a:schemeClr val="tx1"/>
                 </a:solidFill>
@@ -7972,7 +7960,7 @@
               <a:t>saadmaan</a:t>
             </a:r>
             <a:r>
-              <a:rPr lang="en-US" dirty="0" smtClean="0">
+              <a:rPr lang="en-US" dirty="0">
                 <a:solidFill>
                   <a:schemeClr val="tx1"/>
                 </a:solidFill>
@@ -7980,7 +7968,7 @@
               <a:t> </a:t>
             </a:r>
             <a:r>
-              <a:rPr lang="en-US" dirty="0" err="1" smtClean="0">
+              <a:rPr lang="en-US" dirty="0" err="1">
                 <a:solidFill>
                   <a:schemeClr val="tx1"/>
                 </a:solidFill>
@@ -7988,18 +7976,13 @@
               <a:t>mahmid</a:t>
             </a:r>
             <a:r>
-              <a:rPr lang="en-US" dirty="0" smtClean="0">
+              <a:rPr lang="en-US" dirty="0">
                 <a:solidFill>
                   <a:schemeClr val="tx1"/>
                 </a:solidFill>
               </a:rPr>
               <a:t> (b00751000)</a:t>
             </a:r>
-            <a:endParaRPr lang="en-US" dirty="0">
-              <a:solidFill>
-                <a:schemeClr val="tx1"/>
-              </a:solidFill>
-            </a:endParaRPr>
           </a:p>
         </p:txBody>
       </p:sp>
@@ -8014,13 +7997,6 @@
     <a:masterClrMapping/>
   </p:clrMapOvr>
   <p:transition spd="med"/>
-  <p:timing>
-    <p:tnLst>
-      <p:par>
-        <p:cTn id="1" dur="indefinite" restart="never" nodeType="tmRoot"/>
-      </p:par>
-    </p:tnLst>
-  </p:timing>
 </p:sld>
 </file>
 
@@ -8092,7 +8068,7 @@
           <p:cNvPr id="4" name="Shape 52">
             <a:extLst>
               <a:ext uri="{FF2B5EF4-FFF2-40B4-BE49-F238E27FC236}">
-                <a16:creationId xmlns:a16="http://schemas.microsoft.com/office/drawing/2014/main" xmlns="" id="{B8774B46-179D-4604-9210-CEA98185A51C}"/>
+                <a16:creationId xmlns:a16="http://schemas.microsoft.com/office/drawing/2014/main" id="{B8774B46-179D-4604-9210-CEA98185A51C}"/>
               </a:ext>
             </a:extLst>
           </p:cNvPr>
@@ -8261,13 +8237,6 @@
     <a:masterClrMapping/>
   </p:clrMapOvr>
   <p:transition spd="med"/>
-  <p:timing>
-    <p:tnLst>
-      <p:par>
-        <p:cTn id="1" dur="indefinite" restart="never" nodeType="tmRoot"/>
-      </p:par>
-    </p:tnLst>
-  </p:timing>
 </p:sld>
 </file>
 
@@ -8394,18 +8363,13 @@
               </a:defRPr>
             </a:pPr>
             <a:r>
-              <a:rPr lang="en-US" sz="2800" cap="none" dirty="0" smtClean="0">
+              <a:rPr lang="en-US" sz="2800" cap="none" dirty="0">
                 <a:solidFill>
                   <a:schemeClr val="tx1"/>
                 </a:solidFill>
               </a:rPr>
               <a:t>About Michael Lynn</a:t>
             </a:r>
-            <a:endParaRPr lang="en-US" sz="2800" cap="none" dirty="0">
-              <a:solidFill>
-                <a:schemeClr val="tx1"/>
-              </a:solidFill>
-            </a:endParaRPr>
           </a:p>
           <a:p>
             <a:pPr lvl="0">
@@ -8553,13 +8517,6 @@
     <a:masterClrMapping/>
   </p:clrMapOvr>
   <p:transition spd="med"/>
-  <p:timing>
-    <p:tnLst>
-      <p:par>
-        <p:cTn id="1" dur="indefinite" restart="never" nodeType="tmRoot"/>
-      </p:par>
-    </p:tnLst>
-  </p:timing>
 </p:sld>
 </file>
 
@@ -8655,7 +8612,7 @@
               <a:buChar char="•"/>
             </a:pPr>
             <a:r>
-              <a:rPr lang="en-US" sz="4000" cap="none" dirty="0" smtClean="0">
+              <a:rPr lang="en-US" sz="4000" cap="none" dirty="0">
                 <a:solidFill>
                   <a:schemeClr val="tx1"/>
                 </a:solidFill>
@@ -8668,30 +8625,25 @@
               <a:buFont typeface="Arial" charset="0"/>
               <a:buChar char="•"/>
             </a:pPr>
-            <a:endParaRPr lang="en-US" sz="4000" cap="none" dirty="0" smtClean="0">
-              <a:solidFill>
-                <a:schemeClr val="tx1"/>
-              </a:solidFill>
-            </a:endParaRPr>
-          </a:p>
-          <a:p>
-            <a:pPr marL="342900" indent="-342900">
-              <a:buFont typeface="Arial" charset="0"/>
-              <a:buChar char="•"/>
-            </a:pPr>
-            <a:r>
-              <a:rPr lang="en-US" sz="4000" cap="none" dirty="0" smtClean="0">
-                <a:solidFill>
-                  <a:schemeClr val="tx1"/>
-                </a:solidFill>
-              </a:rPr>
-              <a:t>Devices affected</a:t>
-            </a:r>
             <a:endParaRPr lang="en-US" sz="4000" cap="none" dirty="0">
               <a:solidFill>
                 <a:schemeClr val="tx1"/>
               </a:solidFill>
             </a:endParaRPr>
+          </a:p>
+          <a:p>
+            <a:pPr marL="342900" indent="-342900">
+              <a:buFont typeface="Arial" charset="0"/>
+              <a:buChar char="•"/>
+            </a:pPr>
+            <a:r>
+              <a:rPr lang="en-US" sz="4000" cap="none" dirty="0">
+                <a:solidFill>
+                  <a:schemeClr val="tx1"/>
+                </a:solidFill>
+              </a:rPr>
+              <a:t>Devices affected</a:t>
+            </a:r>
           </a:p>
         </p:txBody>
       </p:sp>
@@ -8701,13 +8653,6 @@
     <a:masterClrMapping/>
   </p:clrMapOvr>
   <p:transition spd="med"/>
-  <p:timing>
-    <p:tnLst>
-      <p:par>
-        <p:cTn id="1" dur="indefinite" restart="never" nodeType="tmRoot"/>
-      </p:par>
-    </p:tnLst>
-  </p:timing>
 </p:sld>
 </file>
 
@@ -8799,8 +8744,8 @@
         </p:nvSpPr>
         <p:spPr>
           <a:xfrm>
-            <a:off x="660400" y="3416300"/>
-            <a:ext cx="11684000" cy="2520674"/>
+            <a:off x="660400" y="3124200"/>
+            <a:ext cx="12103100" cy="5410200"/>
           </a:xfrm>
           <a:prstGeom prst="rect">
             <a:avLst/>
@@ -8811,6 +8756,94 @@
             <a:normAutofit/>
           </a:bodyPr>
           <a:lstStyle/>
+          <a:p>
+            <a:pPr>
+              <a:defRPr sz="1800">
+                <a:solidFill>
+                  <a:srgbClr val="000000"/>
+                </a:solidFill>
+              </a:defRPr>
+            </a:pPr>
+            <a:r>
+              <a:rPr lang="en-CA" sz="3600" dirty="0">
+                <a:solidFill>
+                  <a:schemeClr val="tx1"/>
+                </a:solidFill>
+              </a:rPr>
+              <a:t> 1. </a:t>
+            </a:r>
+            <a:r>
+              <a:rPr lang="en-CA" sz="3200" dirty="0">
+                <a:solidFill>
+                  <a:schemeClr val="tx1"/>
+                </a:solidFill>
+              </a:rPr>
+              <a:t>Trade Secrets</a:t>
+            </a:r>
+          </a:p>
+          <a:p>
+            <a:pPr marL="2307370" lvl="5" indent="-742950" algn="just">
+              <a:buFont typeface="Arial" panose="020B0604020202020204" pitchFamily="34" charset="0"/>
+              <a:buChar char="•"/>
+              <a:defRPr sz="1800">
+                <a:solidFill>
+                  <a:srgbClr val="000000"/>
+                </a:solidFill>
+              </a:defRPr>
+            </a:pPr>
+            <a:r>
+              <a:rPr lang="en-US" sz="2800" i="1" dirty="0"/>
+              <a:t>Derives independent economic value, actual or potential, from not being generally known to the public or to other persons who can obtain economic value from its disclosure or use</a:t>
+            </a:r>
+            <a:r>
+              <a:rPr lang="en-CA" sz="4000" dirty="0"/>
+              <a:t> </a:t>
+            </a:r>
+          </a:p>
+          <a:p>
+            <a:pPr marL="2307370" lvl="5" indent="-742950" algn="just">
+              <a:buFont typeface="Arial" panose="020B0604020202020204" pitchFamily="34" charset="0"/>
+              <a:buChar char="•"/>
+              <a:defRPr sz="1800">
+                <a:solidFill>
+                  <a:srgbClr val="000000"/>
+                </a:solidFill>
+              </a:defRPr>
+            </a:pPr>
+            <a:r>
+              <a:rPr lang="en-US" sz="2800" i="1" dirty="0"/>
+              <a:t>Is the subject of efforts that are reasonable under the circumstances to maintain its secrecy</a:t>
+            </a:r>
+          </a:p>
+          <a:p>
+            <a:pPr>
+              <a:defRPr sz="1800">
+                <a:solidFill>
+                  <a:srgbClr val="000000"/>
+                </a:solidFill>
+              </a:defRPr>
+            </a:pPr>
+            <a:r>
+              <a:rPr lang="en-CA" sz="3600" dirty="0">
+                <a:solidFill>
+                  <a:schemeClr val="tx1"/>
+                </a:solidFill>
+              </a:rPr>
+              <a:t> 2. </a:t>
+            </a:r>
+            <a:r>
+              <a:rPr lang="en-US" sz="3200" dirty="0">
+                <a:latin typeface="Corbel" panose="020B0503020204020204" pitchFamily="34" charset="0"/>
+              </a:rPr>
+              <a:t>Cisco thought decompiling was improper</a:t>
+            </a:r>
+            <a:endParaRPr lang="en-US" sz="3200" dirty="0">
+              <a:solidFill>
+                <a:schemeClr val="tx1"/>
+              </a:solidFill>
+              <a:latin typeface="Corbel" panose="020B0503020204020204" pitchFamily="34" charset="0"/>
+            </a:endParaRPr>
+          </a:p>
           <a:p>
             <a:pPr lvl="0">
               <a:defRPr sz="1800">
@@ -8833,13 +8866,6 @@
     <a:masterClrMapping/>
   </p:clrMapOvr>
   <p:transition spd="med"/>
-  <p:timing>
-    <p:tnLst>
-      <p:par>
-        <p:cTn id="1" dur="indefinite" restart="never" nodeType="tmRoot"/>
-      </p:par>
-    </p:tnLst>
-  </p:timing>
 </p:sld>
 </file>
 
@@ -8959,21 +8985,8 @@
                   <a:schemeClr val="tx1"/>
                 </a:solidFill>
               </a:rPr>
-              <a:t>Warn </a:t>
-            </a:r>
-            <a:r>
-              <a:rPr lang="en-US" sz="4000" cap="none" dirty="0" smtClean="0">
-                <a:solidFill>
-                  <a:schemeClr val="tx1"/>
-                </a:solidFill>
-              </a:rPr>
-              <a:t>about the catastrophe</a:t>
-            </a:r>
-            <a:endParaRPr lang="en-US" sz="4000" cap="none" dirty="0">
-              <a:solidFill>
-                <a:schemeClr val="tx1"/>
-              </a:solidFill>
-            </a:endParaRPr>
+              <a:t>Warn about the catastrophe</a:t>
+            </a:r>
           </a:p>
           <a:p>
             <a:pPr lvl="0">
@@ -9038,21 +9051,8 @@
                   <a:schemeClr val="tx1"/>
                 </a:solidFill>
               </a:rPr>
-              <a:t>Motivation for better </a:t>
-            </a:r>
-            <a:r>
-              <a:rPr lang="en-US" sz="4000" cap="none" dirty="0" smtClean="0">
-                <a:solidFill>
-                  <a:schemeClr val="tx1"/>
-                </a:solidFill>
-              </a:rPr>
-              <a:t>practices</a:t>
-            </a:r>
-            <a:endParaRPr lang="en-US" sz="4000" cap="none" dirty="0">
-              <a:solidFill>
-                <a:schemeClr val="tx1"/>
-              </a:solidFill>
-            </a:endParaRPr>
+              <a:t>Motivation for better practices</a:t>
+            </a:r>
           </a:p>
           <a:p>
             <a:pPr marL="571500" lvl="0" indent="-571500">
@@ -9078,13 +9078,6 @@
     <a:masterClrMapping/>
   </p:clrMapOvr>
   <p:transition spd="med"/>
-  <p:timing>
-    <p:tnLst>
-      <p:par>
-        <p:cTn id="1" dur="indefinite" restart="never" nodeType="tmRoot"/>
-      </p:par>
-    </p:tnLst>
-  </p:timing>
 </p:sld>
 </file>
 
@@ -9177,7 +9170,7 @@
           <p:cNvPr id="3" name="Picture 2">
             <a:extLst>
               <a:ext uri="{FF2B5EF4-FFF2-40B4-BE49-F238E27FC236}">
-                <a16:creationId xmlns:a16="http://schemas.microsoft.com/office/drawing/2014/main" xmlns="" id="{3DBCE471-A0CA-4A7A-B4EF-46DCD244F864}"/>
+                <a16:creationId xmlns:a16="http://schemas.microsoft.com/office/drawing/2014/main" id="{3DBCE471-A0CA-4A7A-B4EF-46DCD244F864}"/>
               </a:ext>
             </a:extLst>
           </p:cNvPr>
@@ -9213,7 +9206,7 @@
           <p:cNvPr id="4" name="TextBox 3">
             <a:extLst>
               <a:ext uri="{FF2B5EF4-FFF2-40B4-BE49-F238E27FC236}">
-                <a16:creationId xmlns:a16="http://schemas.microsoft.com/office/drawing/2014/main" xmlns="" id="{259941C7-C50F-4D2C-BF65-D4BAF0C6E368}"/>
+                <a16:creationId xmlns:a16="http://schemas.microsoft.com/office/drawing/2014/main" id="{259941C7-C50F-4D2C-BF65-D4BAF0C6E368}"/>
               </a:ext>
             </a:extLst>
           </p:cNvPr>
@@ -9253,13 +9246,6 @@
     <a:masterClrMapping/>
   </p:clrMapOvr>
   <p:transition spd="med"/>
-  <p:timing>
-    <p:tnLst>
-      <p:par>
-        <p:cTn id="1" dur="indefinite" restart="never" nodeType="tmRoot"/>
-      </p:par>
-    </p:tnLst>
-  </p:timing>
 </p:sld>
 </file>
 
@@ -9386,13 +9372,6 @@
     <a:masterClrMapping/>
   </p:clrMapOvr>
   <p:transition spd="med"/>
-  <p:timing>
-    <p:tnLst>
-      <p:par>
-        <p:cTn id="1" dur="indefinite" restart="never" nodeType="tmRoot"/>
-      </p:par>
-    </p:tnLst>
-  </p:timing>
 </p:sld>
 </file>
 

--- a/CSCI6708_Case_Study_Grp1_ppt_DRAFT.pptx
+++ b/CSCI6708_Case_Study_Grp1_ppt_DRAFT.pptx
@@ -1811,7 +1811,7 @@
           </a:ln>
           <a:extLst>
             <a:ext uri="{91240B29-F687-4f45-9708-019B960494DF}">
-              <a14:hiddenLine xmlns="" xmlns:a14="http://schemas.microsoft.com/office/drawing/2010/main" w="9525">
+              <a14:hiddenLine xmlns:a14="http://schemas.microsoft.com/office/drawing/2010/main" xmlns="" w="9525">
                 <a:solidFill>
                   <a:srgbClr val="000000"/>
                 </a:solidFill>
@@ -1866,7 +1866,7 @@
           </a:ln>
           <a:extLst>
             <a:ext uri="{91240B29-F687-4f45-9708-019B960494DF}">
-              <a14:hiddenLine xmlns="" xmlns:a14="http://schemas.microsoft.com/office/drawing/2010/main" w="9525">
+              <a14:hiddenLine xmlns:a14="http://schemas.microsoft.com/office/drawing/2010/main" xmlns="" w="9525">
                 <a:solidFill>
                   <a:srgbClr val="000000"/>
                 </a:solidFill>
@@ -8812,8 +8812,23 @@
             </a:pPr>
             <a:r>
               <a:rPr lang="en-US" sz="2800" i="1" dirty="0"/>
-              <a:t>Is the subject of efforts that are reasonable under the circumstances to maintain its secrecy</a:t>
-            </a:r>
+              <a:t>Is the subject of efforts that are reasonable under the circumstances to maintain </a:t>
+            </a:r>
+            <a:r>
+              <a:rPr lang="en-US" sz="2800" i="1"/>
+              <a:t>its secrecy</a:t>
+            </a:r>
+          </a:p>
+          <a:p>
+            <a:pPr marL="1564420" lvl="5" indent="0" algn="just">
+              <a:buNone/>
+              <a:defRPr sz="1800">
+                <a:solidFill>
+                  <a:srgbClr val="000000"/>
+                </a:solidFill>
+              </a:defRPr>
+            </a:pPr>
+            <a:endParaRPr lang="en-US" sz="2800" i="1" dirty="0"/>
           </a:p>
           <a:p>
             <a:pPr>

--- a/CSCI6708_Case_Study_Grp1_ppt_DRAFT.pptx
+++ b/CSCI6708_Case_Study_Grp1_ppt_DRAFT.pptx
@@ -1811,7 +1811,7 @@
           </a:ln>
           <a:extLst>
             <a:ext uri="{91240B29-F687-4f45-9708-019B960494DF}">
-              <a14:hiddenLine xmlns:a14="http://schemas.microsoft.com/office/drawing/2010/main" xmlns="" w="9525">
+              <a14:hiddenLine xmlns="" xmlns:a14="http://schemas.microsoft.com/office/drawing/2010/main" w="9525">
                 <a:solidFill>
                   <a:srgbClr val="000000"/>
                 </a:solidFill>
@@ -1866,7 +1866,7 @@
           </a:ln>
           <a:extLst>
             <a:ext uri="{91240B29-F687-4f45-9708-019B960494DF}">
-              <a14:hiddenLine xmlns:a14="http://schemas.microsoft.com/office/drawing/2010/main" xmlns="" w="9525">
+              <a14:hiddenLine xmlns="" xmlns:a14="http://schemas.microsoft.com/office/drawing/2010/main" w="9525">
                 <a:solidFill>
                   <a:srgbClr val="000000"/>
                 </a:solidFill>
@@ -9033,8 +9033,21 @@
                   <a:schemeClr val="tx1"/>
                 </a:solidFill>
               </a:rPr>
-              <a:t>Prevention of financial loss</a:t>
-            </a:r>
+              <a:t>Prevention of </a:t>
+            </a:r>
+            <a:r>
+              <a:rPr lang="en-US" sz="4000" cap="none">
+                <a:solidFill>
+                  <a:schemeClr val="tx1"/>
+                </a:solidFill>
+              </a:rPr>
+              <a:t>financial losses</a:t>
+            </a:r>
+            <a:endParaRPr lang="en-US" sz="4000" cap="none" dirty="0">
+              <a:solidFill>
+                <a:schemeClr val="tx1"/>
+              </a:solidFill>
+            </a:endParaRPr>
           </a:p>
           <a:p>
             <a:pPr lvl="0">

--- a/CSCI6708_Case_Study_Grp1_ppt_DRAFT.pptx
+++ b/CSCI6708_Case_Study_Grp1_ppt_DRAFT.pptx
@@ -179,7 +179,7 @@
           <a:p>
             <a:fld id="{8AA07402-A2D1-224B-9540-AD2693A5FEE9}" type="datetimeFigureOut">
               <a:rPr lang="en-US" smtClean="0"/>
-              <a:t>4/6/2018</a:t>
+              <a:t>4/7/18</a:t>
             </a:fld>
             <a:endParaRPr lang="en-US"/>
           </a:p>
@@ -462,7 +462,7 @@
           <a:p>
             <a:fld id="{62DCA116-7934-5E4A-9F70-5101DDBE45C4}" type="datetimeFigureOut">
               <a:rPr lang="en-US" smtClean="0"/>
-              <a:t>4/6/2018</a:t>
+              <a:t>4/7/18</a:t>
             </a:fld>
             <a:endParaRPr lang="en-US"/>
           </a:p>
@@ -1710,7 +1710,7 @@
           <a:p>
             <a:fld id="{AF9D92C3-6CD5-494E-AAA0-12835F54A429}" type="datetimeFigureOut">
               <a:rPr lang="en-US" smtClean="0"/>
-              <a:t>4/6/2018</a:t>
+              <a:t>4/7/18</a:t>
             </a:fld>
             <a:endParaRPr lang="en-US"/>
           </a:p>
@@ -1811,7 +1811,7 @@
           </a:ln>
           <a:extLst>
             <a:ext uri="{91240B29-F687-4f45-9708-019B960494DF}">
-              <a14:hiddenLine xmlns="" xmlns:a14="http://schemas.microsoft.com/office/drawing/2010/main" w="9525">
+              <a14:hiddenLine xmlns:a14="http://schemas.microsoft.com/office/drawing/2010/main" xmlns="" w="9525">
                 <a:solidFill>
                   <a:srgbClr val="000000"/>
                 </a:solidFill>
@@ -1866,7 +1866,7 @@
           </a:ln>
           <a:extLst>
             <a:ext uri="{91240B29-F687-4f45-9708-019B960494DF}">
-              <a14:hiddenLine xmlns="" xmlns:a14="http://schemas.microsoft.com/office/drawing/2010/main" w="9525">
+              <a14:hiddenLine xmlns:a14="http://schemas.microsoft.com/office/drawing/2010/main" xmlns="" w="9525">
                 <a:solidFill>
                   <a:srgbClr val="000000"/>
                 </a:solidFill>
@@ -2116,7 +2116,7 @@
           <a:p>
             <a:fld id="{AF9D92C3-6CD5-494E-AAA0-12835F54A429}" type="datetimeFigureOut">
               <a:rPr lang="en-US" smtClean="0"/>
-              <a:t>4/6/2018</a:t>
+              <a:t>4/7/18</a:t>
             </a:fld>
             <a:endParaRPr lang="en-US"/>
           </a:p>
@@ -2359,7 +2359,7 @@
           <a:p>
             <a:fld id="{AF9D92C3-6CD5-494E-AAA0-12835F54A429}" type="datetimeFigureOut">
               <a:rPr lang="en-US" smtClean="0"/>
-              <a:t>4/6/2018</a:t>
+              <a:t>4/7/18</a:t>
             </a:fld>
             <a:endParaRPr lang="en-US"/>
           </a:p>
@@ -2894,7 +2894,7 @@
           <a:p>
             <a:fld id="{AF9D92C3-6CD5-494E-AAA0-12835F54A429}" type="datetimeFigureOut">
               <a:rPr lang="en-US" smtClean="0"/>
-              <a:t>4/6/2018</a:t>
+              <a:t>4/7/18</a:t>
             </a:fld>
             <a:endParaRPr lang="en-US"/>
           </a:p>
@@ -3137,7 +3137,7 @@
           <a:p>
             <a:fld id="{AF9D92C3-6CD5-494E-AAA0-12835F54A429}" type="datetimeFigureOut">
               <a:rPr lang="en-US" smtClean="0"/>
-              <a:t>4/6/2018</a:t>
+              <a:t>4/7/18</a:t>
             </a:fld>
             <a:endParaRPr lang="en-US"/>
           </a:p>
@@ -3664,7 +3664,7 @@
           <a:p>
             <a:fld id="{AF9D92C3-6CD5-494E-AAA0-12835F54A429}" type="datetimeFigureOut">
               <a:rPr lang="en-US" smtClean="0"/>
-              <a:t>4/6/2018</a:t>
+              <a:t>4/7/18</a:t>
             </a:fld>
             <a:endParaRPr lang="en-US"/>
           </a:p>
@@ -3956,7 +3956,7 @@
           <a:p>
             <a:fld id="{AF9D92C3-6CD5-494E-AAA0-12835F54A429}" type="datetimeFigureOut">
               <a:rPr lang="en-US" smtClean="0"/>
-              <a:t>4/6/2018</a:t>
+              <a:t>4/7/18</a:t>
             </a:fld>
             <a:endParaRPr lang="en-US"/>
           </a:p>
@@ -4125,7 +4125,7 @@
           <a:p>
             <a:fld id="{AF9D92C3-6CD5-494E-AAA0-12835F54A429}" type="datetimeFigureOut">
               <a:rPr lang="en-US" smtClean="0"/>
-              <a:t>4/6/2018</a:t>
+              <a:t>4/7/18</a:t>
             </a:fld>
             <a:endParaRPr lang="en-US"/>
           </a:p>
@@ -4300,7 +4300,7 @@
           <a:p>
             <a:fld id="{AF9D92C3-6CD5-494E-AAA0-12835F54A429}" type="datetimeFigureOut">
               <a:rPr lang="en-US" smtClean="0"/>
-              <a:t>4/6/2018</a:t>
+              <a:t>4/7/18</a:t>
             </a:fld>
             <a:endParaRPr lang="en-US"/>
           </a:p>
@@ -4731,7 +4731,7 @@
           <a:p>
             <a:fld id="{AF9D92C3-6CD5-494E-AAA0-12835F54A429}" type="datetimeFigureOut">
               <a:rPr lang="en-US" smtClean="0"/>
-              <a:t>4/6/2018</a:t>
+              <a:t>4/7/18</a:t>
             </a:fld>
             <a:endParaRPr lang="en-US"/>
           </a:p>
@@ -4982,7 +4982,7 @@
           <a:p>
             <a:fld id="{AF9D92C3-6CD5-494E-AAA0-12835F54A429}" type="datetimeFigureOut">
               <a:rPr lang="en-US" smtClean="0"/>
-              <a:t>4/6/2018</a:t>
+              <a:t>4/7/18</a:t>
             </a:fld>
             <a:endParaRPr lang="en-US"/>
           </a:p>
@@ -5279,7 +5279,7 @@
           <a:p>
             <a:fld id="{AF9D92C3-6CD5-494E-AAA0-12835F54A429}" type="datetimeFigureOut">
               <a:rPr lang="en-US" smtClean="0"/>
-              <a:t>4/6/2018</a:t>
+              <a:t>4/7/18</a:t>
             </a:fld>
             <a:endParaRPr lang="en-US"/>
           </a:p>
@@ -5716,7 +5716,7 @@
           <a:p>
             <a:fld id="{AF9D92C3-6CD5-494E-AAA0-12835F54A429}" type="datetimeFigureOut">
               <a:rPr lang="en-US" smtClean="0"/>
-              <a:t>4/6/2018</a:t>
+              <a:t>4/7/18</a:t>
             </a:fld>
             <a:endParaRPr lang="en-US"/>
           </a:p>
@@ -5829,7 +5829,7 @@
           <a:p>
             <a:fld id="{AF9D92C3-6CD5-494E-AAA0-12835F54A429}" type="datetimeFigureOut">
               <a:rPr lang="en-US" smtClean="0"/>
-              <a:t>4/6/2018</a:t>
+              <a:t>4/7/18</a:t>
             </a:fld>
             <a:endParaRPr lang="en-US"/>
           </a:p>
@@ -5919,7 +5919,7 @@
           <a:p>
             <a:fld id="{AF9D92C3-6CD5-494E-AAA0-12835F54A429}" type="datetimeFigureOut">
               <a:rPr lang="en-US" smtClean="0"/>
-              <a:t>4/6/2018</a:t>
+              <a:t>4/7/18</a:t>
             </a:fld>
             <a:endParaRPr lang="en-US"/>
           </a:p>
@@ -6197,7 +6197,7 @@
           <a:p>
             <a:fld id="{AF9D92C3-6CD5-494E-AAA0-12835F54A429}" type="datetimeFigureOut">
               <a:rPr lang="en-US" smtClean="0"/>
-              <a:t>4/6/2018</a:t>
+              <a:t>4/7/18</a:t>
             </a:fld>
             <a:endParaRPr lang="en-US"/>
           </a:p>
@@ -6483,7 +6483,7 @@
           <a:p>
             <a:fld id="{AF9D92C3-6CD5-494E-AAA0-12835F54A429}" type="datetimeFigureOut">
               <a:rPr lang="en-US" smtClean="0"/>
-              <a:t>4/6/2018</a:t>
+              <a:t>4/7/18</a:t>
             </a:fld>
             <a:endParaRPr lang="en-US"/>
           </a:p>
@@ -7002,7 +7002,7 @@
           <a:p>
             <a:fld id="{AF9D92C3-6CD5-494E-AAA0-12835F54A429}" type="datetimeFigureOut">
               <a:rPr lang="en-US" smtClean="0"/>
-              <a:t>4/6/2018</a:t>
+              <a:t>4/7/18</a:t>
             </a:fld>
             <a:endParaRPr lang="en-US"/>
           </a:p>
@@ -7997,6 +7997,13 @@
     <a:masterClrMapping/>
   </p:clrMapOvr>
   <p:transition spd="med"/>
+  <p:timing>
+    <p:tnLst>
+      <p:par>
+        <p:cTn id="1" dur="indefinite" restart="never" nodeType="tmRoot"/>
+      </p:par>
+    </p:tnLst>
+  </p:timing>
 </p:sld>
 </file>
 
@@ -8068,7 +8075,7 @@
           <p:cNvPr id="4" name="Shape 52">
             <a:extLst>
               <a:ext uri="{FF2B5EF4-FFF2-40B4-BE49-F238E27FC236}">
-                <a16:creationId xmlns:a16="http://schemas.microsoft.com/office/drawing/2014/main" id="{B8774B46-179D-4604-9210-CEA98185A51C}"/>
+                <a16:creationId xmlns:a16="http://schemas.microsoft.com/office/drawing/2014/main" xmlns="" id="{B8774B46-179D-4604-9210-CEA98185A51C}"/>
               </a:ext>
             </a:extLst>
           </p:cNvPr>
@@ -8237,6 +8244,13 @@
     <a:masterClrMapping/>
   </p:clrMapOvr>
   <p:transition spd="med"/>
+  <p:timing>
+    <p:tnLst>
+      <p:par>
+        <p:cTn id="1" dur="indefinite" restart="never" nodeType="tmRoot"/>
+      </p:par>
+    </p:tnLst>
+  </p:timing>
 </p:sld>
 </file>
 
@@ -8517,6 +8531,13 @@
     <a:masterClrMapping/>
   </p:clrMapOvr>
   <p:transition spd="med"/>
+  <p:timing>
+    <p:tnLst>
+      <p:par>
+        <p:cTn id="1" dur="indefinite" restart="never" nodeType="tmRoot"/>
+      </p:par>
+    </p:tnLst>
+  </p:timing>
 </p:sld>
 </file>
 
@@ -8597,53 +8618,198 @@
         </p:nvSpPr>
         <p:spPr>
           <a:xfrm>
-            <a:off x="2675466" y="3204404"/>
-            <a:ext cx="11684000" cy="1862666"/>
+            <a:off x="1828800" y="3228975"/>
+            <a:ext cx="10329334" cy="7316559"/>
           </a:xfrm>
         </p:spPr>
         <p:txBody>
           <a:bodyPr>
-            <a:normAutofit fontScale="92500" lnSpcReduction="10000"/>
+            <a:noAutofit/>
           </a:bodyPr>
           <a:lstStyle/>
+          <a:p>
+            <a:pPr lvl="0"/>
+            <a:endParaRPr lang="en-CA" sz="3600" dirty="0">
+              <a:solidFill>
+                <a:schemeClr val="tx1"/>
+              </a:solidFill>
+            </a:endParaRPr>
+          </a:p>
+          <a:p>
+            <a:pPr marL="514350" lvl="0" indent="-514350">
+              <a:buFont typeface="Arial" charset="0"/>
+              <a:buChar char="•"/>
+            </a:pPr>
+            <a:r>
+              <a:rPr lang="en-US" sz="3200" cap="none" dirty="0" smtClean="0">
+                <a:solidFill>
+                  <a:schemeClr val="tx1"/>
+                </a:solidFill>
+              </a:rPr>
+              <a:t>Vulnerabilities </a:t>
+            </a:r>
+          </a:p>
+          <a:p>
+            <a:pPr marL="514350" lvl="4" indent="-514350">
+              <a:buFont typeface="Arial" charset="0"/>
+              <a:buChar char="•"/>
+            </a:pPr>
+            <a:r>
+              <a:rPr lang="en-US" sz="3200" cap="none" dirty="0">
+                <a:solidFill>
+                  <a:schemeClr val="tx1"/>
+                </a:solidFill>
+              </a:rPr>
+              <a:t>Routers and switches are just hardware </a:t>
+            </a:r>
+          </a:p>
+          <a:p>
+            <a:pPr marL="514350" lvl="2" indent="-514350">
+              <a:buFont typeface="Arial" charset="0"/>
+              <a:buChar char="•"/>
+            </a:pPr>
+            <a:r>
+              <a:rPr lang="en-US" sz="3200" cap="none" dirty="0" smtClean="0">
+                <a:solidFill>
+                  <a:schemeClr val="tx1"/>
+                </a:solidFill>
+              </a:rPr>
+              <a:t>It </a:t>
+            </a:r>
+            <a:r>
+              <a:rPr lang="en-US" sz="3200" cap="none" dirty="0">
+                <a:solidFill>
+                  <a:schemeClr val="tx1"/>
+                </a:solidFill>
+              </a:rPr>
+              <a:t>is not possible to exploit buffers on IOS Cisco IOS exploitation techniques </a:t>
+            </a:r>
+            <a:r>
+              <a:rPr lang="en-US" sz="3200" cap="none" dirty="0" smtClean="0">
+                <a:solidFill>
+                  <a:schemeClr val="tx1"/>
+                </a:solidFill>
+              </a:rPr>
+              <a:t>used</a:t>
+            </a:r>
+          </a:p>
+          <a:p>
+            <a:pPr marL="457200" lvl="4" indent="-457200">
+              <a:buFont typeface="Arial" charset="0"/>
+              <a:buChar char="•"/>
+            </a:pPr>
+            <a:r>
+              <a:rPr lang="en-US" sz="3200" cap="none" dirty="0">
+                <a:solidFill>
+                  <a:schemeClr val="tx1"/>
+                </a:solidFill>
+              </a:rPr>
+              <a:t>Stack Overflows </a:t>
+            </a:r>
+          </a:p>
+          <a:p>
+            <a:pPr marL="457200" lvl="4" indent="-457200">
+              <a:buFont typeface="Arial" charset="0"/>
+              <a:buChar char="•"/>
+            </a:pPr>
+            <a:r>
+              <a:rPr lang="en-US" sz="3200" cap="none" dirty="0">
+                <a:solidFill>
+                  <a:schemeClr val="tx1"/>
+                </a:solidFill>
+              </a:rPr>
+              <a:t>Heap </a:t>
+            </a:r>
+            <a:r>
+              <a:rPr lang="en-US" sz="3200" cap="none" dirty="0" smtClean="0">
+                <a:solidFill>
+                  <a:schemeClr val="tx1"/>
+                </a:solidFill>
+              </a:rPr>
+              <a:t>Overflows</a:t>
+            </a:r>
+          </a:p>
+          <a:p>
+            <a:pPr marL="514350" lvl="0" indent="-514350">
+              <a:buFont typeface="Arial" charset="0"/>
+              <a:buChar char="•"/>
+            </a:pPr>
+            <a:r>
+              <a:rPr lang="en-US" sz="3200" cap="none" dirty="0" smtClean="0">
+                <a:solidFill>
+                  <a:schemeClr val="tx1"/>
+                </a:solidFill>
+              </a:rPr>
+              <a:t>Severity </a:t>
+            </a:r>
+            <a:endParaRPr lang="en-US" sz="3200" cap="none" dirty="0">
+              <a:solidFill>
+                <a:schemeClr val="tx1"/>
+              </a:solidFill>
+            </a:endParaRPr>
+          </a:p>
+          <a:p>
+            <a:pPr marL="514350" lvl="0" indent="-514350">
+              <a:buFont typeface="+mj-lt"/>
+              <a:buAutoNum type="arabicPeriod"/>
+            </a:pPr>
+            <a:endParaRPr lang="en-US" sz="3200" cap="none" dirty="0">
+              <a:solidFill>
+                <a:schemeClr val="tx1"/>
+              </a:solidFill>
+            </a:endParaRPr>
+          </a:p>
+          <a:p>
+            <a:pPr marL="514350" indent="-514350">
+              <a:buFont typeface="+mj-lt"/>
+              <a:buAutoNum type="arabicPeriod"/>
+              <a:defRPr sz="1800">
+                <a:solidFill>
+                  <a:srgbClr val="000000"/>
+                </a:solidFill>
+              </a:defRPr>
+            </a:pPr>
+            <a:endParaRPr lang="en-US" sz="3200" cap="none" dirty="0" smtClean="0">
+              <a:solidFill>
+                <a:schemeClr val="tx1"/>
+              </a:solidFill>
+            </a:endParaRPr>
+          </a:p>
+          <a:p>
+            <a:pPr marL="457200" lvl="4" indent="-457200">
+              <a:buFont typeface="Arial" charset="0"/>
+              <a:buChar char="•"/>
+            </a:pPr>
+            <a:endParaRPr lang="en-US" sz="3200" cap="none" dirty="0">
+              <a:solidFill>
+                <a:schemeClr val="tx1"/>
+              </a:solidFill>
+            </a:endParaRPr>
+          </a:p>
+          <a:p>
+            <a:pPr>
+              <a:defRPr sz="1800">
+                <a:solidFill>
+                  <a:srgbClr val="000000"/>
+                </a:solidFill>
+              </a:defRPr>
+            </a:pPr>
+            <a:endParaRPr lang="en-CA" sz="3600" dirty="0">
+              <a:solidFill>
+                <a:schemeClr val="tx1"/>
+              </a:solidFill>
+            </a:endParaRPr>
+          </a:p>
           <a:p>
             <a:pPr marL="342900" indent="-342900">
               <a:buFont typeface="Arial" charset="0"/>
               <a:buChar char="•"/>
             </a:pPr>
-            <a:r>
-              <a:rPr lang="en-US" sz="4000" cap="none" dirty="0">
-                <a:solidFill>
-                  <a:schemeClr val="tx1"/>
-                </a:solidFill>
-              </a:rPr>
-              <a:t>Severity </a:t>
-            </a:r>
-          </a:p>
-          <a:p>
-            <a:pPr marL="342900" indent="-342900">
-              <a:buFont typeface="Arial" charset="0"/>
-              <a:buChar char="•"/>
-            </a:pPr>
-            <a:endParaRPr lang="en-US" sz="4000" cap="none" dirty="0">
+            <a:endParaRPr lang="en-US" sz="3390" cap="none" dirty="0">
               <a:solidFill>
                 <a:schemeClr val="tx1"/>
               </a:solidFill>
             </a:endParaRPr>
-          </a:p>
-          <a:p>
-            <a:pPr marL="342900" indent="-342900">
-              <a:buFont typeface="Arial" charset="0"/>
-              <a:buChar char="•"/>
-            </a:pPr>
-            <a:r>
-              <a:rPr lang="en-US" sz="4000" cap="none" dirty="0">
-                <a:solidFill>
-                  <a:schemeClr val="tx1"/>
-                </a:solidFill>
-              </a:rPr>
-              <a:t>Devices affected</a:t>
-            </a:r>
           </a:p>
         </p:txBody>
       </p:sp>
@@ -8653,6 +8819,13 @@
     <a:masterClrMapping/>
   </p:clrMapOvr>
   <p:transition spd="med"/>
+  <p:timing>
+    <p:tnLst>
+      <p:par>
+        <p:cTn id="1" dur="indefinite" restart="never" nodeType="tmRoot"/>
+      </p:par>
+    </p:tnLst>
+  </p:timing>
 </p:sld>
 </file>
 
@@ -8773,16 +8946,40 @@
               <a:t> 1. </a:t>
             </a:r>
             <a:r>
-              <a:rPr lang="en-CA" sz="3200" dirty="0">
+              <a:rPr lang="en-CA" sz="3200" dirty="0" smtClean="0">
                 <a:solidFill>
                   <a:schemeClr val="tx1"/>
                 </a:solidFill>
               </a:rPr>
-              <a:t>Trade Secrets</a:t>
-            </a:r>
+              <a:t>M</a:t>
+            </a:r>
+            <a:r>
+              <a:rPr lang="en-CA" sz="3200" dirty="0" smtClean="0">
+                <a:solidFill>
+                  <a:schemeClr val="tx1"/>
+                </a:solidFill>
+              </a:rPr>
+              <a:t>isappropriation of Trade Secrets</a:t>
+            </a:r>
+            <a:r>
+              <a:rPr lang="en-CA" sz="3200" baseline="30000" dirty="0" smtClean="0">
+                <a:solidFill>
+                  <a:schemeClr val="tx1"/>
+                </a:solidFill>
+              </a:rPr>
+              <a:t>[2]</a:t>
+            </a:r>
+            <a:endParaRPr lang="en-CA" sz="3200" dirty="0">
+              <a:solidFill>
+                <a:schemeClr val="tx1"/>
+              </a:solidFill>
+            </a:endParaRPr>
           </a:p>
           <a:p>
             <a:pPr marL="2307370" lvl="5" indent="-742950" algn="just">
+              <a:buClr>
+                <a:schemeClr val="tx1"/>
+              </a:buClr>
               <a:buFont typeface="Arial" panose="020B0604020202020204" pitchFamily="34" charset="0"/>
               <a:buChar char="•"/>
               <a:defRPr sz="1800">
@@ -8802,6 +8999,9 @@
           </a:p>
           <a:p>
             <a:pPr marL="2307370" lvl="5" indent="-742950" algn="just">
+              <a:buClr>
+                <a:schemeClr val="tx1"/>
+              </a:buClr>
               <a:buFont typeface="Arial" panose="020B0604020202020204" pitchFamily="34" charset="0"/>
               <a:buChar char="•"/>
               <a:defRPr sz="1800">
@@ -8812,11 +9012,7 @@
             </a:pPr>
             <a:r>
               <a:rPr lang="en-US" sz="2800" i="1" dirty="0"/>
-              <a:t>Is the subject of efforts that are reasonable under the circumstances to maintain </a:t>
-            </a:r>
-            <a:r>
-              <a:rPr lang="en-US" sz="2800" i="1"/>
-              <a:t>its secrecy</a:t>
+              <a:t>Is the subject of efforts that are reasonable under the circumstances to maintain its secrecy</a:t>
             </a:r>
           </a:p>
           <a:p>
@@ -8850,7 +9046,19 @@
               <a:rPr lang="en-US" sz="3200" dirty="0">
                 <a:latin typeface="Corbel" panose="020B0503020204020204" pitchFamily="34" charset="0"/>
               </a:rPr>
-              <a:t>Cisco thought decompiling was improper</a:t>
+              <a:t>Cisco thought decompiling was </a:t>
+            </a:r>
+            <a:r>
+              <a:rPr lang="en-US" sz="3200" dirty="0" smtClean="0">
+                <a:latin typeface="Corbel" panose="020B0503020204020204" pitchFamily="34" charset="0"/>
+              </a:rPr>
+              <a:t>improper</a:t>
+            </a:r>
+            <a:r>
+              <a:rPr lang="en-US" sz="3200" baseline="30000" dirty="0" smtClean="0">
+                <a:latin typeface="Corbel" panose="020B0503020204020204" pitchFamily="34" charset="0"/>
+              </a:rPr>
+              <a:t>[2]</a:t>
             </a:r>
             <a:endParaRPr lang="en-US" sz="3200" dirty="0">
               <a:solidFill>
@@ -8881,6 +9089,13 @@
     <a:masterClrMapping/>
   </p:clrMapOvr>
   <p:transition spd="med"/>
+  <p:timing>
+    <p:tnLst>
+      <p:par>
+        <p:cTn id="1" dur="indefinite" restart="never" nodeType="tmRoot"/>
+      </p:par>
+    </p:tnLst>
+  </p:timing>
 </p:sld>
 </file>
 
@@ -9106,6 +9321,13 @@
     <a:masterClrMapping/>
   </p:clrMapOvr>
   <p:transition spd="med"/>
+  <p:timing>
+    <p:tnLst>
+      <p:par>
+        <p:cTn id="1" dur="indefinite" restart="never" nodeType="tmRoot"/>
+      </p:par>
+    </p:tnLst>
+  </p:timing>
 </p:sld>
 </file>
 
@@ -9198,7 +9420,7 @@
           <p:cNvPr id="3" name="Picture 2">
             <a:extLst>
               <a:ext uri="{FF2B5EF4-FFF2-40B4-BE49-F238E27FC236}">
-                <a16:creationId xmlns:a16="http://schemas.microsoft.com/office/drawing/2014/main" id="{3DBCE471-A0CA-4A7A-B4EF-46DCD244F864}"/>
+                <a16:creationId xmlns:a16="http://schemas.microsoft.com/office/drawing/2014/main" xmlns="" id="{3DBCE471-A0CA-4A7A-B4EF-46DCD244F864}"/>
               </a:ext>
             </a:extLst>
           </p:cNvPr>
@@ -9234,7 +9456,7 @@
           <p:cNvPr id="4" name="TextBox 3">
             <a:extLst>
               <a:ext uri="{FF2B5EF4-FFF2-40B4-BE49-F238E27FC236}">
-                <a16:creationId xmlns:a16="http://schemas.microsoft.com/office/drawing/2014/main" id="{259941C7-C50F-4D2C-BF65-D4BAF0C6E368}"/>
+                <a16:creationId xmlns:a16="http://schemas.microsoft.com/office/drawing/2014/main" xmlns="" id="{259941C7-C50F-4D2C-BF65-D4BAF0C6E368}"/>
               </a:ext>
             </a:extLst>
           </p:cNvPr>
@@ -9274,6 +9496,13 @@
     <a:masterClrMapping/>
   </p:clrMapOvr>
   <p:transition spd="med"/>
+  <p:timing>
+    <p:tnLst>
+      <p:par>
+        <p:cTn id="1" dur="indefinite" restart="never" nodeType="tmRoot"/>
+      </p:par>
+    </p:tnLst>
+  </p:timing>
 </p:sld>
 </file>
 
@@ -9357,8 +9586,8 @@
         </p:nvSpPr>
         <p:spPr>
           <a:xfrm>
-            <a:off x="1190487" y="2849217"/>
-            <a:ext cx="11684000" cy="1403076"/>
+            <a:off x="1190486" y="2677885"/>
+            <a:ext cx="11684001" cy="5334000"/>
           </a:xfrm>
           <a:prstGeom prst="rect">
             <a:avLst/>
@@ -9374,13 +9603,328 @@
               <a:buAutoNum type="arabicPeriod"/>
             </a:pPr>
             <a:r>
-              <a:rPr lang="en-US" cap="none" dirty="0">
-                <a:solidFill>
-                  <a:schemeClr val="tx1"/>
-                </a:solidFill>
+              <a:rPr lang="en-US" sz="2000" cap="none" dirty="0">
+                <a:solidFill>
+                  <a:schemeClr val="tx1"/>
+                </a:solidFill>
+                <a:hlinkClick r:id="rId2"/>
               </a:rPr>
-              <a:t>http://www.thebluediamondgallery.com/handwriting/q/question.html</a:t>
-            </a:r>
+              <a:t>http://</a:t>
+            </a:r>
+            <a:r>
+              <a:rPr lang="en-US" sz="2000" cap="none" dirty="0" smtClean="0">
+                <a:solidFill>
+                  <a:schemeClr val="tx1"/>
+                </a:solidFill>
+                <a:hlinkClick r:id="rId2"/>
+              </a:rPr>
+              <a:t>www.thebluediamondgallery.com/handwriting/q/question.html</a:t>
+            </a:r>
+            <a:endParaRPr lang="en-US" sz="2000" cap="none" dirty="0" smtClean="0">
+              <a:solidFill>
+                <a:schemeClr val="tx1"/>
+              </a:solidFill>
+            </a:endParaRPr>
+          </a:p>
+          <a:p>
+            <a:pPr marL="457200" indent="-457200">
+              <a:buFont typeface="Arial"/>
+              <a:buAutoNum type="arabicPeriod"/>
+            </a:pPr>
+            <a:r>
+              <a:rPr lang="en-US" sz="2000" cap="none" dirty="0" smtClean="0">
+                <a:solidFill>
+                  <a:schemeClr val="tx1"/>
+                </a:solidFill>
+              </a:rPr>
+              <a:t>“Legal </a:t>
+            </a:r>
+            <a:r>
+              <a:rPr lang="en-US" sz="2000" cap="none" dirty="0">
+                <a:solidFill>
+                  <a:schemeClr val="tx1"/>
+                </a:solidFill>
+              </a:rPr>
+              <a:t>and Ethics Issues - Security Power Tools [Book</a:t>
+            </a:r>
+            <a:r>
+              <a:rPr lang="en-US" sz="2000" cap="none" dirty="0" smtClean="0">
+                <a:solidFill>
+                  <a:schemeClr val="tx1"/>
+                </a:solidFill>
+              </a:rPr>
+              <a:t>],”</a:t>
+            </a:r>
+          </a:p>
+          <a:p>
+            <a:pPr marL="457200" indent="-457200">
+              <a:buFont typeface="Arial"/>
+              <a:buAutoNum type="arabicPeriod"/>
+            </a:pPr>
+            <a:r>
+              <a:rPr lang="en-US" sz="2000" cap="none" dirty="0" smtClean="0">
+                <a:solidFill>
+                  <a:schemeClr val="tx1"/>
+                </a:solidFill>
+              </a:rPr>
+              <a:t>“Michael </a:t>
+            </a:r>
+            <a:r>
+              <a:rPr lang="en-US" sz="2000" cap="none" dirty="0">
+                <a:solidFill>
+                  <a:schemeClr val="tx1"/>
+                </a:solidFill>
+              </a:rPr>
+              <a:t>Lynn and Cisco: Stepping in front of the freight train </a:t>
+            </a:r>
+            <a:r>
+              <a:rPr lang="en-US" sz="2000" cap="none" dirty="0" smtClean="0">
+                <a:solidFill>
+                  <a:schemeClr val="tx1"/>
+                </a:solidFill>
+              </a:rPr>
+              <a:t>| Network </a:t>
+            </a:r>
+            <a:r>
+              <a:rPr lang="en-US" sz="2000" cap="none" dirty="0">
+                <a:solidFill>
+                  <a:schemeClr val="tx1"/>
+                </a:solidFill>
+              </a:rPr>
+              <a:t>World.” [Online]. </a:t>
+            </a:r>
+            <a:r>
+              <a:rPr lang="en-US" sz="2000" cap="none" dirty="0" smtClean="0">
+                <a:solidFill>
+                  <a:schemeClr val="tx1"/>
+                </a:solidFill>
+              </a:rPr>
+              <a:t>Available: https</a:t>
+            </a:r>
+            <a:r>
+              <a:rPr lang="en-US" sz="2000" cap="none" dirty="0">
+                <a:solidFill>
+                  <a:schemeClr val="tx1"/>
+                </a:solidFill>
+              </a:rPr>
+              <a:t>://</a:t>
+            </a:r>
+            <a:r>
+              <a:rPr lang="en-US" sz="2000" cap="none" dirty="0" err="1">
+                <a:solidFill>
+                  <a:schemeClr val="tx1"/>
+                </a:solidFill>
+              </a:rPr>
+              <a:t>www.networkworld.com</a:t>
+            </a:r>
+            <a:r>
+              <a:rPr lang="en-US" sz="2000" cap="none" dirty="0">
+                <a:solidFill>
+                  <a:schemeClr val="tx1"/>
+                </a:solidFill>
+              </a:rPr>
+              <a:t>/article/2312972/</a:t>
+            </a:r>
+            <a:r>
+              <a:rPr lang="en-US" sz="2000" cap="none" dirty="0" err="1">
+                <a:solidFill>
+                  <a:schemeClr val="tx1"/>
+                </a:solidFill>
+              </a:rPr>
+              <a:t>lan</a:t>
+            </a:r>
+            <a:r>
+              <a:rPr lang="en-US" sz="2000" cap="none" dirty="0">
+                <a:solidFill>
+                  <a:schemeClr val="tx1"/>
+                </a:solidFill>
+              </a:rPr>
+              <a:t>-wan/</a:t>
+            </a:r>
+            <a:r>
+              <a:rPr lang="en-US" sz="2000" cap="none" dirty="0" err="1">
+                <a:solidFill>
+                  <a:schemeClr val="tx1"/>
+                </a:solidFill>
+              </a:rPr>
+              <a:t>michael</a:t>
+            </a:r>
+            <a:r>
+              <a:rPr lang="en-US" sz="2000" cap="none" dirty="0">
+                <a:solidFill>
+                  <a:schemeClr val="tx1"/>
+                </a:solidFill>
+              </a:rPr>
+              <a:t>-</a:t>
+            </a:r>
+            <a:r>
+              <a:rPr lang="en-US" sz="2000" cap="none" dirty="0" err="1">
+                <a:solidFill>
+                  <a:schemeClr val="tx1"/>
+                </a:solidFill>
+              </a:rPr>
+              <a:t>lynn</a:t>
+            </a:r>
+            <a:r>
+              <a:rPr lang="en-US" sz="2000" cap="none" dirty="0">
+                <a:solidFill>
+                  <a:schemeClr val="tx1"/>
+                </a:solidFill>
+              </a:rPr>
+              <a:t>-and-cisco--stepping-in-front-of-the-freight-</a:t>
+            </a:r>
+            <a:r>
+              <a:rPr lang="en-US" sz="2000" cap="none" dirty="0" err="1">
+                <a:solidFill>
+                  <a:schemeClr val="tx1"/>
+                </a:solidFill>
+              </a:rPr>
+              <a:t>train.html</a:t>
+            </a:r>
+            <a:r>
+              <a:rPr lang="en-US" sz="2000" cap="none" dirty="0">
+                <a:solidFill>
+                  <a:schemeClr val="tx1"/>
+                </a:solidFill>
+              </a:rPr>
+              <a:t>. [Accessed: 07-Apr-2018</a:t>
+            </a:r>
+            <a:r>
+              <a:rPr lang="en-US" sz="2000" cap="none" dirty="0" smtClean="0">
+                <a:solidFill>
+                  <a:schemeClr val="tx1"/>
+                </a:solidFill>
+              </a:rPr>
+              <a:t>].</a:t>
+            </a:r>
+          </a:p>
+          <a:p>
+            <a:pPr marL="457200" indent="-457200">
+              <a:buClr>
+                <a:schemeClr val="tx1"/>
+              </a:buClr>
+              <a:buFont typeface="Arial"/>
+              <a:buAutoNum type="arabicPeriod"/>
+            </a:pPr>
+            <a:r>
+              <a:rPr lang="en-US" sz="2000" cap="none" dirty="0" smtClean="0">
+                <a:solidFill>
+                  <a:schemeClr val="tx1"/>
+                </a:solidFill>
+              </a:rPr>
+              <a:t>“Settlement </a:t>
+            </a:r>
+            <a:r>
+              <a:rPr lang="en-US" sz="2000" cap="none" dirty="0">
+                <a:solidFill>
+                  <a:schemeClr val="tx1"/>
+                </a:solidFill>
+              </a:rPr>
+              <a:t>reached in Cisco flaw dispute • The Register.” [Online]. </a:t>
+            </a:r>
+            <a:r>
+              <a:rPr lang="en-US" sz="2000" cap="none" dirty="0" err="1" smtClean="0">
+                <a:solidFill>
+                  <a:schemeClr val="tx1"/>
+                </a:solidFill>
+              </a:rPr>
+              <a:t>Available:https</a:t>
+            </a:r>
+            <a:r>
+              <a:rPr lang="en-US" sz="2000" cap="none" dirty="0">
+                <a:solidFill>
+                  <a:schemeClr val="tx1"/>
+                </a:solidFill>
+              </a:rPr>
+              <a:t>://</a:t>
+            </a:r>
+            <a:r>
+              <a:rPr lang="en-US" sz="2000" cap="none" dirty="0" err="1">
+                <a:solidFill>
+                  <a:schemeClr val="tx1"/>
+                </a:solidFill>
+              </a:rPr>
+              <a:t>www.theregister.co.uk</a:t>
+            </a:r>
+            <a:r>
+              <a:rPr lang="en-US" sz="2000" cap="none" dirty="0">
+                <a:solidFill>
+                  <a:schemeClr val="tx1"/>
+                </a:solidFill>
+              </a:rPr>
+              <a:t>/2005/07/29/</a:t>
+            </a:r>
+            <a:r>
+              <a:rPr lang="en-US" sz="2000" cap="none" dirty="0" err="1">
+                <a:solidFill>
+                  <a:schemeClr val="tx1"/>
+                </a:solidFill>
+              </a:rPr>
+              <a:t>cisco_settles_rogue_researcher_dispute</a:t>
+            </a:r>
+            <a:r>
+              <a:rPr lang="en-US" sz="2000" cap="none" dirty="0">
+                <a:solidFill>
+                  <a:schemeClr val="tx1"/>
+                </a:solidFill>
+              </a:rPr>
+              <a:t>/. [Accessed: 07-Apr-2018</a:t>
+            </a:r>
+            <a:r>
+              <a:rPr lang="en-US" sz="2000" cap="none" dirty="0" smtClean="0">
+                <a:solidFill>
+                  <a:schemeClr val="tx1"/>
+                </a:solidFill>
+              </a:rPr>
+              <a:t>].</a:t>
+            </a:r>
+          </a:p>
+          <a:p>
+            <a:pPr marL="457200" indent="-457200">
+              <a:buClr>
+                <a:schemeClr val="tx1"/>
+              </a:buClr>
+              <a:buFont typeface="Arial"/>
+              <a:buAutoNum type="arabicPeriod"/>
+            </a:pPr>
+            <a:r>
+              <a:rPr lang="en-US" sz="2000" cap="none" dirty="0" err="1">
+                <a:solidFill>
+                  <a:schemeClr val="tx1"/>
+                </a:solidFill>
+              </a:rPr>
+              <a:t>Cryptome.org</a:t>
+            </a:r>
+            <a:r>
+              <a:rPr lang="en-US" sz="2000" cap="none" dirty="0">
+                <a:solidFill>
+                  <a:schemeClr val="tx1"/>
+                </a:solidFill>
+              </a:rPr>
+              <a:t>. (2018). [online] Available at: </a:t>
+            </a:r>
+            <a:r>
+              <a:rPr lang="en-US" sz="2000" cap="none" dirty="0">
+                <a:solidFill>
+                  <a:schemeClr val="tx1"/>
+                </a:solidFill>
+                <a:hlinkClick r:id="rId3"/>
+              </a:rPr>
+              <a:t>http://cryptome.org/lynn-cisco.pdf</a:t>
+            </a:r>
+            <a:r>
+              <a:rPr lang="en-US" sz="2000" cap="none" dirty="0">
+                <a:solidFill>
+                  <a:schemeClr val="tx1"/>
+                </a:solidFill>
+              </a:rPr>
+              <a:t> [Accessed 7 Apr. 2018].</a:t>
+            </a:r>
+            <a:endParaRPr lang="en-US" sz="1200" cap="none" dirty="0">
+              <a:solidFill>
+                <a:schemeClr val="tx1"/>
+              </a:solidFill>
+            </a:endParaRPr>
           </a:p>
           <a:p>
             <a:pPr marL="457200" lvl="0" indent="-457200">
@@ -9392,6 +9936,16 @@
               </a:solidFill>
             </a:endParaRPr>
           </a:p>
+          <a:p>
+            <a:pPr marL="457200" lvl="0" indent="-457200">
+              <a:buAutoNum type="arabicPeriod"/>
+            </a:pPr>
+            <a:endParaRPr lang="en-US" cap="none" dirty="0">
+              <a:solidFill>
+                <a:schemeClr val="tx1"/>
+              </a:solidFill>
+            </a:endParaRPr>
+          </a:p>
         </p:txBody>
       </p:sp>
     </p:spTree>
@@ -9400,6 +9954,13 @@
     <a:masterClrMapping/>
   </p:clrMapOvr>
   <p:transition spd="med"/>
+  <p:timing>
+    <p:tnLst>
+      <p:par>
+        <p:cTn id="1" dur="indefinite" restart="never" nodeType="tmRoot"/>
+      </p:par>
+    </p:tnLst>
+  </p:timing>
 </p:sld>
 </file>
 
